--- a/om_05_OpenMash VistA Developers Guide.pptx
+++ b/om_05_OpenMash VistA Developers Guide.pptx
@@ -5,10 +5,10 @@
     <p:sldMasterId id="2147483648" r:id="rId1"/>
   </p:sldMasterIdLst>
   <p:notesMasterIdLst>
-    <p:notesMasterId r:id="rId31"/>
+    <p:notesMasterId r:id="rId33"/>
   </p:notesMasterIdLst>
   <p:handoutMasterIdLst>
-    <p:handoutMasterId r:id="rId32"/>
+    <p:handoutMasterId r:id="rId34"/>
   </p:handoutMasterIdLst>
   <p:sldIdLst>
     <p:sldId id="256" r:id="rId2"/>
@@ -24,22 +24,24 @@
     <p:sldId id="265" r:id="rId12"/>
     <p:sldId id="267" r:id="rId13"/>
     <p:sldId id="290" r:id="rId14"/>
-    <p:sldId id="271" r:id="rId15"/>
-    <p:sldId id="272" r:id="rId16"/>
-    <p:sldId id="270" r:id="rId17"/>
-    <p:sldId id="273" r:id="rId18"/>
-    <p:sldId id="289" r:id="rId19"/>
-    <p:sldId id="281" r:id="rId20"/>
-    <p:sldId id="268" r:id="rId21"/>
-    <p:sldId id="269" r:id="rId22"/>
-    <p:sldId id="274" r:id="rId23"/>
-    <p:sldId id="275" r:id="rId24"/>
-    <p:sldId id="276" r:id="rId25"/>
-    <p:sldId id="277" r:id="rId26"/>
-    <p:sldId id="288" r:id="rId27"/>
-    <p:sldId id="280" r:id="rId28"/>
-    <p:sldId id="278" r:id="rId29"/>
-    <p:sldId id="279" r:id="rId30"/>
+    <p:sldId id="294" r:id="rId15"/>
+    <p:sldId id="271" r:id="rId16"/>
+    <p:sldId id="272" r:id="rId17"/>
+    <p:sldId id="270" r:id="rId18"/>
+    <p:sldId id="273" r:id="rId19"/>
+    <p:sldId id="289" r:id="rId20"/>
+    <p:sldId id="281" r:id="rId21"/>
+    <p:sldId id="268" r:id="rId22"/>
+    <p:sldId id="269" r:id="rId23"/>
+    <p:sldId id="274" r:id="rId24"/>
+    <p:sldId id="275" r:id="rId25"/>
+    <p:sldId id="276" r:id="rId26"/>
+    <p:sldId id="277" r:id="rId27"/>
+    <p:sldId id="288" r:id="rId28"/>
+    <p:sldId id="295" r:id="rId29"/>
+    <p:sldId id="280" r:id="rId30"/>
+    <p:sldId id="278" r:id="rId31"/>
+    <p:sldId id="279" r:id="rId32"/>
   </p:sldIdLst>
   <p:sldSz cx="9144000" cy="6858000" type="screen4x3"/>
   <p:notesSz cx="6858000" cy="9144000"/>
@@ -1474,7 +1476,7 @@
               </a14:hiddenLine>
             </a:ext>
             <a:ext uri="{FAA26D3D-D897-4be2-8F04-BA451C77F1D7}">
-              <ma14:placeholderFlag xmlns:ma14="http://schemas.microsoft.com/office/mac/drawingml/2011/main" xmlns="" val="1"/>
+              <ma14:placeholderFlag xmlns="" xmlns:ma14="http://schemas.microsoft.com/office/mac/drawingml/2011/main" val="1"/>
             </a:ext>
           </a:extLst>
         </p:spPr>
@@ -1536,7 +1538,7 @@
               </a14:hiddenLine>
             </a:ext>
             <a:ext uri="{FAA26D3D-D897-4be2-8F04-BA451C77F1D7}">
-              <ma14:placeholderFlag xmlns:ma14="http://schemas.microsoft.com/office/mac/drawingml/2011/main" xmlns="" val="1"/>
+              <ma14:placeholderFlag xmlns="" xmlns:ma14="http://schemas.microsoft.com/office/mac/drawingml/2011/main" val="1"/>
             </a:ext>
           </a:extLst>
         </p:spPr>
@@ -2320,13 +2322,7 @@
               <a:rPr lang="en-US" dirty="0" smtClean="0">
                 <a:latin typeface="Arial" charset="0"/>
               </a:rPr>
-              <a:t>OpenMash </a:t>
-            </a:r>
-            <a:r>
-              <a:rPr lang="en-US" dirty="0" smtClean="0">
-                <a:latin typeface="Arial" charset="0"/>
-              </a:rPr>
-              <a:t>Developers Guide</a:t>
+              <a:t>OpenMash Developers Guide</a:t>
             </a:r>
             <a:endParaRPr lang="en-US" dirty="0">
               <a:latin typeface="Arial" charset="0"/>
@@ -3439,6 +3435,198 @@
       </p:grpSpPr>
       <p:sp>
         <p:nvSpPr>
+          <p:cNvPr id="4" name="Title 3"/>
+          <p:cNvSpPr>
+            <a:spLocks noGrp="1"/>
+          </p:cNvSpPr>
+          <p:nvPr>
+            <p:ph type="title"/>
+          </p:nvPr>
+        </p:nvSpPr>
+        <p:spPr/>
+        <p:txBody>
+          <a:bodyPr/>
+          <a:lstStyle/>
+          <a:p>
+            <a:r>
+              <a:rPr lang="en-US" dirty="0" smtClean="0"/>
+              <a:t>Configure Mirth</a:t>
+            </a:r>
+            <a:endParaRPr lang="en-US" dirty="0"/>
+          </a:p>
+        </p:txBody>
+      </p:sp>
+      <p:sp>
+        <p:nvSpPr>
+          <p:cNvPr id="5" name="Content Placeholder 4"/>
+          <p:cNvSpPr>
+            <a:spLocks noGrp="1"/>
+          </p:cNvSpPr>
+          <p:nvPr>
+            <p:ph idx="1"/>
+          </p:nvPr>
+        </p:nvSpPr>
+        <p:spPr/>
+        <p:txBody>
+          <a:bodyPr/>
+          <a:lstStyle/>
+          <a:p>
+            <a:r>
+              <a:rPr lang="en-US" dirty="0" smtClean="0"/>
+              <a:t>Install </a:t>
+            </a:r>
+            <a:r>
+              <a:rPr lang="en-US" dirty="0" err="1" smtClean="0"/>
+              <a:t>ActiveMQ</a:t>
+            </a:r>
+            <a:r>
+              <a:rPr lang="en-US" dirty="0" smtClean="0"/>
+              <a:t> libraries for mirth</a:t>
+            </a:r>
+          </a:p>
+          <a:p>
+            <a:pPr lvl="1"/>
+            <a:r>
+              <a:rPr lang="en-US" dirty="0"/>
+              <a:t>activemq-all-5.7.0 can be found in root </a:t>
+            </a:r>
+            <a:r>
+              <a:rPr lang="en-US" dirty="0" err="1"/>
+              <a:t>activemq</a:t>
+            </a:r>
+            <a:r>
+              <a:rPr lang="en-US" dirty="0"/>
+              <a:t> install directory C:\TESB_SE-V5.2.2\activemq</a:t>
+            </a:r>
+          </a:p>
+          <a:p>
+            <a:pPr lvl="1"/>
+            <a:r>
+              <a:rPr lang="en-US" dirty="0" smtClean="0"/>
+              <a:t>Add libraries to C</a:t>
+            </a:r>
+            <a:r>
+              <a:rPr lang="en-US" dirty="0"/>
+              <a:t>:\Program Files\Mirth </a:t>
+            </a:r>
+            <a:r>
+              <a:rPr lang="en-US" dirty="0" smtClean="0"/>
+              <a:t>Connect\custom-lib </a:t>
+            </a:r>
+          </a:p>
+          <a:p>
+            <a:r>
+              <a:rPr lang="en-US" dirty="0" smtClean="0"/>
+              <a:t>Import the Channels for from</a:t>
+            </a:r>
+            <a:br>
+              <a:rPr lang="en-US" dirty="0" smtClean="0"/>
+            </a:br>
+            <a:r>
+              <a:rPr lang="en-US" dirty="0" smtClean="0"/>
+              <a:t>vista-hl7/</a:t>
+            </a:r>
+            <a:r>
+              <a:rPr lang="en-US" dirty="0" err="1" smtClean="0"/>
+              <a:t>src</a:t>
+            </a:r>
+            <a:r>
+              <a:rPr lang="en-US" dirty="0" smtClean="0"/>
+              <a:t>/</a:t>
+            </a:r>
+            <a:r>
+              <a:rPr lang="en-US" dirty="0" err="1" smtClean="0"/>
+              <a:t>testresources</a:t>
+            </a:r>
+            <a:r>
+              <a:rPr lang="en-US" dirty="0" smtClean="0"/>
+              <a:t>/mirth/</a:t>
+            </a:r>
+            <a:r>
+              <a:rPr lang="en-US" dirty="0" err="1" smtClean="0"/>
+              <a:t>va</a:t>
+            </a:r>
+            <a:endParaRPr lang="en-US" dirty="0" smtClean="0"/>
+          </a:p>
+          <a:p>
+            <a:r>
+              <a:rPr lang="en-US" dirty="0" smtClean="0"/>
+              <a:t>Deploy the Channels using Mirth</a:t>
+            </a:r>
+          </a:p>
+          <a:p>
+            <a:endParaRPr lang="en-US" dirty="0"/>
+          </a:p>
+          <a:p>
+            <a:endParaRPr lang="en-US" dirty="0" smtClean="0"/>
+          </a:p>
+          <a:p>
+            <a:r>
+              <a:rPr lang="en-US" dirty="0" smtClean="0"/>
+              <a:t>Subsequent screenshots are a sample for manual interaction with Mirth</a:t>
+            </a:r>
+            <a:endParaRPr lang="en-US" dirty="0"/>
+          </a:p>
+        </p:txBody>
+      </p:sp>
+      <p:sp>
+        <p:nvSpPr>
+          <p:cNvPr id="3" name="Footer Placeholder 2"/>
+          <p:cNvSpPr>
+            <a:spLocks noGrp="1"/>
+          </p:cNvSpPr>
+          <p:nvPr>
+            <p:ph type="ftr" sz="quarter" idx="10"/>
+          </p:nvPr>
+        </p:nvSpPr>
+        <p:spPr/>
+        <p:txBody>
+          <a:bodyPr/>
+          <a:lstStyle/>
+          <a:p>
+            <a:pPr>
+              <a:defRPr/>
+            </a:pPr>
+            <a:r>
+              <a:rPr lang="en-US" smtClean="0"/>
+              <a:t>© Talend 2013</a:t>
+            </a:r>
+            <a:endParaRPr lang="fr-FR"/>
+          </a:p>
+        </p:txBody>
+      </p:sp>
+    </p:spTree>
+    <p:extLst>
+      <p:ext uri="{BB962C8B-B14F-4D97-AF65-F5344CB8AC3E}">
+        <p14:creationId xmlns:p14="http://schemas.microsoft.com/office/powerpoint/2010/main" val="3223342"/>
+      </p:ext>
+    </p:extLst>
+  </p:cSld>
+  <p:clrMapOvr>
+    <a:masterClrMapping/>
+  </p:clrMapOvr>
+</p:sld>
+</file>
+
+<file path=ppt/slides/slide15.xml><?xml version="1.0" encoding="utf-8"?>
+<p:sld xmlns:a="http://schemas.openxmlformats.org/drawingml/2006/main" xmlns:r="http://schemas.openxmlformats.org/officeDocument/2006/relationships" xmlns:p="http://schemas.openxmlformats.org/presentationml/2006/main">
+  <p:cSld>
+    <p:spTree>
+      <p:nvGrpSpPr>
+        <p:cNvPr id="1" name=""/>
+        <p:cNvGrpSpPr/>
+        <p:nvPr/>
+      </p:nvGrpSpPr>
+      <p:grpSpPr>
+        <a:xfrm>
+          <a:off x="0" y="0"/>
+          <a:ext cx="0" cy="0"/>
+          <a:chOff x="0" y="0"/>
+          <a:chExt cx="0" cy="0"/>
+        </a:xfrm>
+      </p:grpSpPr>
+      <p:sp>
+        <p:nvSpPr>
           <p:cNvPr id="2" name="Title 1"/>
           <p:cNvSpPr>
             <a:spLocks noGrp="1"/>
@@ -3684,7 +3872,7 @@
 </p:sld>
 </file>
 
-<file path=ppt/slides/slide15.xml><?xml version="1.0" encoding="utf-8"?>
+<file path=ppt/slides/slide16.xml><?xml version="1.0" encoding="utf-8"?>
 <p:sld xmlns:a="http://schemas.openxmlformats.org/drawingml/2006/main" xmlns:r="http://schemas.openxmlformats.org/officeDocument/2006/relationships" xmlns:p="http://schemas.openxmlformats.org/presentationml/2006/main">
   <p:cSld>
     <p:spTree>
@@ -3920,7 +4108,7 @@
 </p:sld>
 </file>
 
-<file path=ppt/slides/slide16.xml><?xml version="1.0" encoding="utf-8"?>
+<file path=ppt/slides/slide17.xml><?xml version="1.0" encoding="utf-8"?>
 <p:sld xmlns:a="http://schemas.openxmlformats.org/drawingml/2006/main" xmlns:r="http://schemas.openxmlformats.org/officeDocument/2006/relationships" xmlns:p="http://schemas.openxmlformats.org/presentationml/2006/main">
   <p:cSld>
     <p:spTree>
@@ -4202,7 +4390,7 @@
 </p:sld>
 </file>
 
-<file path=ppt/slides/slide17.xml><?xml version="1.0" encoding="utf-8"?>
+<file path=ppt/slides/slide18.xml><?xml version="1.0" encoding="utf-8"?>
 <p:sld xmlns:a="http://schemas.openxmlformats.org/drawingml/2006/main" xmlns:r="http://schemas.openxmlformats.org/officeDocument/2006/relationships" xmlns:p="http://schemas.openxmlformats.org/presentationml/2006/main">
   <p:cSld>
     <p:spTree>
@@ -4442,7 +4630,7 @@
 </p:sld>
 </file>
 
-<file path=ppt/slides/slide18.xml><?xml version="1.0" encoding="utf-8"?>
+<file path=ppt/slides/slide19.xml><?xml version="1.0" encoding="utf-8"?>
 <p:sld xmlns:a="http://schemas.openxmlformats.org/drawingml/2006/main" xmlns:r="http://schemas.openxmlformats.org/officeDocument/2006/relationships" xmlns:p="http://schemas.openxmlformats.org/presentationml/2006/main">
   <p:cSld>
     <p:spTree>
@@ -4527,7 +4715,742 @@
 </p:sld>
 </file>
 
-<file path=ppt/slides/slide19.xml><?xml version="1.0" encoding="utf-8"?>
+<file path=ppt/slides/slide2.xml><?xml version="1.0" encoding="utf-8"?>
+<p:sld xmlns:a="http://schemas.openxmlformats.org/drawingml/2006/main" xmlns:r="http://schemas.openxmlformats.org/officeDocument/2006/relationships" xmlns:p="http://schemas.openxmlformats.org/presentationml/2006/main">
+  <p:cSld>
+    <p:spTree>
+      <p:nvGrpSpPr>
+        <p:cNvPr id="1" name=""/>
+        <p:cNvGrpSpPr/>
+        <p:nvPr/>
+      </p:nvGrpSpPr>
+      <p:grpSpPr>
+        <a:xfrm>
+          <a:off x="0" y="0"/>
+          <a:ext cx="0" cy="0"/>
+          <a:chOff x="0" y="0"/>
+          <a:chExt cx="0" cy="0"/>
+        </a:xfrm>
+      </p:grpSpPr>
+      <p:sp>
+        <p:nvSpPr>
+          <p:cNvPr id="2" name="Title 1"/>
+          <p:cNvSpPr>
+            <a:spLocks noGrp="1"/>
+          </p:cNvSpPr>
+          <p:nvPr>
+            <p:ph type="title"/>
+          </p:nvPr>
+        </p:nvSpPr>
+        <p:spPr/>
+        <p:txBody>
+          <a:bodyPr/>
+          <a:lstStyle/>
+          <a:p>
+            <a:r>
+              <a:rPr lang="en-US" dirty="0" smtClean="0"/>
+              <a:t>Inventory and Configuration</a:t>
+            </a:r>
+            <a:endParaRPr lang="en-US" dirty="0"/>
+          </a:p>
+        </p:txBody>
+      </p:sp>
+      <p:sp>
+        <p:nvSpPr>
+          <p:cNvPr id="3" name="Content Placeholder 2"/>
+          <p:cNvSpPr>
+            <a:spLocks noGrp="1"/>
+          </p:cNvSpPr>
+          <p:nvPr>
+            <p:ph idx="1"/>
+          </p:nvPr>
+        </p:nvSpPr>
+        <p:spPr>
+          <a:xfrm>
+            <a:off x="457201" y="1168398"/>
+            <a:ext cx="2747318" cy="4957763"/>
+          </a:xfrm>
+          <a:solidFill>
+            <a:schemeClr val="bg1">
+              <a:lumMod val="85000"/>
+            </a:schemeClr>
+          </a:solidFill>
+          <a:ln>
+            <a:solidFill>
+              <a:schemeClr val="bg1">
+                <a:lumMod val="50000"/>
+              </a:schemeClr>
+            </a:solidFill>
+          </a:ln>
+        </p:spPr>
+        <p:txBody>
+          <a:bodyPr/>
+          <a:lstStyle/>
+          <a:p>
+            <a:pPr marL="0" indent="0">
+              <a:buNone/>
+            </a:pPr>
+            <a:r>
+              <a:rPr lang="en-US" sz="1800" b="1" dirty="0" smtClean="0"/>
+              <a:t>Windows-CA</a:t>
+            </a:r>
+          </a:p>
+          <a:p>
+            <a:r>
+              <a:rPr lang="en-US" sz="1800" dirty="0" err="1" smtClean="0"/>
+              <a:t>MedSphereClient</a:t>
+            </a:r>
+            <a:endParaRPr lang="en-US" sz="1800" dirty="0" smtClean="0"/>
+          </a:p>
+          <a:p>
+            <a:endParaRPr lang="en-US" sz="1800" dirty="0" smtClean="0"/>
+          </a:p>
+          <a:p>
+            <a:r>
+              <a:rPr lang="en-US" sz="1800" dirty="0" smtClean="0"/>
+              <a:t>Mirth</a:t>
+            </a:r>
+          </a:p>
+          <a:p>
+            <a:endParaRPr lang="en-US" sz="1800" dirty="0" smtClean="0"/>
+          </a:p>
+          <a:p>
+            <a:r>
+              <a:rPr lang="en-US" sz="1800" dirty="0" smtClean="0"/>
+              <a:t>HL7 Inspector</a:t>
+            </a:r>
+            <a:endParaRPr lang="en-US" sz="1800" dirty="0"/>
+          </a:p>
+          <a:p>
+            <a:endParaRPr lang="en-US" sz="1800" dirty="0" smtClean="0"/>
+          </a:p>
+          <a:p>
+            <a:endParaRPr lang="en-US" sz="1800" dirty="0" smtClean="0"/>
+          </a:p>
+          <a:p>
+            <a:endParaRPr lang="en-US" sz="1800" dirty="0"/>
+          </a:p>
+          <a:p>
+            <a:endParaRPr lang="en-US" sz="1800" dirty="0" smtClean="0"/>
+          </a:p>
+          <a:p>
+            <a:r>
+              <a:rPr lang="en-US" sz="1800" dirty="0" smtClean="0"/>
+              <a:t>ESB</a:t>
+            </a:r>
+          </a:p>
+          <a:p>
+            <a:r>
+              <a:rPr lang="en-US" sz="1800" dirty="0" err="1" smtClean="0"/>
+              <a:t>ActiveMQ</a:t>
+            </a:r>
+            <a:endParaRPr lang="en-US" sz="1800" dirty="0" smtClean="0"/>
+          </a:p>
+          <a:p>
+            <a:endParaRPr lang="en-US" sz="1800" dirty="0"/>
+          </a:p>
+          <a:p>
+            <a:r>
+              <a:rPr lang="en-US" sz="1800" dirty="0" smtClean="0"/>
+              <a:t>VistA - CA</a:t>
+            </a:r>
+            <a:endParaRPr lang="en-US" sz="1800" dirty="0"/>
+          </a:p>
+        </p:txBody>
+      </p:sp>
+      <p:sp>
+        <p:nvSpPr>
+          <p:cNvPr id="4" name="Footer Placeholder 3"/>
+          <p:cNvSpPr>
+            <a:spLocks noGrp="1"/>
+          </p:cNvSpPr>
+          <p:nvPr>
+            <p:ph type="ftr" sz="quarter" idx="10"/>
+          </p:nvPr>
+        </p:nvSpPr>
+        <p:spPr/>
+        <p:txBody>
+          <a:bodyPr/>
+          <a:lstStyle/>
+          <a:p>
+            <a:pPr>
+              <a:defRPr/>
+            </a:pPr>
+            <a:r>
+              <a:rPr lang="en-US" smtClean="0"/>
+              <a:t>© Talend 2013</a:t>
+            </a:r>
+            <a:endParaRPr lang="fr-FR"/>
+          </a:p>
+        </p:txBody>
+      </p:sp>
+      <p:sp>
+        <p:nvSpPr>
+          <p:cNvPr id="5" name="Content Placeholder 2"/>
+          <p:cNvSpPr txBox="1">
+            <a:spLocks/>
+          </p:cNvSpPr>
+          <p:nvPr/>
+        </p:nvSpPr>
+        <p:spPr bwMode="auto">
+          <a:xfrm>
+            <a:off x="3509319" y="1168398"/>
+            <a:ext cx="2652582" cy="4957763"/>
+          </a:xfrm>
+          <a:prstGeom prst="rect">
+            <a:avLst/>
+          </a:prstGeom>
+          <a:solidFill>
+            <a:schemeClr val="bg1">
+              <a:lumMod val="85000"/>
+            </a:schemeClr>
+          </a:solidFill>
+          <a:ln>
+            <a:solidFill>
+              <a:schemeClr val="bg1">
+                <a:lumMod val="50000"/>
+              </a:schemeClr>
+            </a:solidFill>
+          </a:ln>
+          <a:extLst>
+            <a:ext uri="{FAA26D3D-D897-4be2-8F04-BA451C77F1D7}">
+              <ma14:placeholderFlag xmlns="" xmlns:ma14="http://schemas.microsoft.com/office/mac/drawingml/2011/main" val="1"/>
+            </a:ext>
+          </a:extLst>
+        </p:spPr>
+        <p:txBody>
+          <a:bodyPr vert="horz" wrap="square" lIns="0" tIns="0" rIns="0" bIns="0" numCol="1" anchor="t" anchorCtr="0" compatLnSpc="1">
+            <a:prstTxWarp prst="textNoShape">
+              <a:avLst/>
+            </a:prstTxWarp>
+          </a:bodyPr>
+          <a:lstStyle>
+            <a:lvl1pPr marL="342900" indent="-342900" algn="l" defTabSz="457200" rtl="0" eaLnBrk="1" fontAlgn="base" hangingPunct="1">
+              <a:spcBef>
+                <a:spcPct val="20000"/>
+              </a:spcBef>
+              <a:spcAft>
+                <a:spcPct val="0"/>
+              </a:spcAft>
+              <a:buClr>
+                <a:schemeClr val="tx1"/>
+              </a:buClr>
+              <a:buSzPct val="70000"/>
+              <a:buFont typeface="Lucida Grande" charset="0"/>
+              <a:buChar char="➜"/>
+              <a:defRPr sz="2800" kern="1200">
+                <a:solidFill>
+                  <a:srgbClr val="657C95"/>
+                </a:solidFill>
+                <a:latin typeface="+mn-lt"/>
+                <a:ea typeface="ＭＳ Ｐゴシック" charset="0"/>
+                <a:cs typeface="ＭＳ Ｐゴシック" charset="0"/>
+              </a:defRPr>
+            </a:lvl1pPr>
+            <a:lvl2pPr marL="639763" indent="-228600" algn="l" defTabSz="457200" rtl="0" eaLnBrk="1" fontAlgn="base" hangingPunct="1">
+              <a:spcBef>
+                <a:spcPct val="20000"/>
+              </a:spcBef>
+              <a:spcAft>
+                <a:spcPct val="0"/>
+              </a:spcAft>
+              <a:buClr>
+                <a:schemeClr val="accent1"/>
+              </a:buClr>
+              <a:buFont typeface="Arial" charset="0"/>
+              <a:buChar char="•"/>
+              <a:defRPr sz="2400" kern="1200">
+                <a:solidFill>
+                  <a:srgbClr val="4C4C4C"/>
+                </a:solidFill>
+                <a:latin typeface="+mn-lt"/>
+                <a:ea typeface="ＭＳ Ｐゴシック" charset="0"/>
+                <a:cs typeface="+mn-cs"/>
+              </a:defRPr>
+            </a:lvl2pPr>
+            <a:lvl3pPr marL="914400" indent="-228600" algn="l" defTabSz="457200" rtl="0" eaLnBrk="1" fontAlgn="base" hangingPunct="1">
+              <a:spcBef>
+                <a:spcPct val="20000"/>
+              </a:spcBef>
+              <a:spcAft>
+                <a:spcPct val="0"/>
+              </a:spcAft>
+              <a:buClr>
+                <a:schemeClr val="tx1"/>
+              </a:buClr>
+              <a:buFont typeface="Arial" charset="0"/>
+              <a:buChar char="•"/>
+              <a:defRPr sz="2000" kern="1200">
+                <a:solidFill>
+                  <a:srgbClr val="4C4C4C"/>
+                </a:solidFill>
+                <a:latin typeface="+mn-lt"/>
+                <a:ea typeface="ＭＳ Ｐゴシック" charset="0"/>
+                <a:cs typeface="+mn-cs"/>
+              </a:defRPr>
+            </a:lvl3pPr>
+            <a:lvl4pPr marL="1143000" indent="-228600" algn="l" defTabSz="457200" rtl="0" eaLnBrk="1" fontAlgn="base" hangingPunct="1">
+              <a:spcBef>
+                <a:spcPct val="20000"/>
+              </a:spcBef>
+              <a:spcAft>
+                <a:spcPct val="0"/>
+              </a:spcAft>
+              <a:buClr>
+                <a:schemeClr val="tx1"/>
+              </a:buClr>
+              <a:buFont typeface="Arial" charset="0"/>
+              <a:buChar char="–"/>
+              <a:defRPr kern="1200">
+                <a:solidFill>
+                  <a:srgbClr val="4C4C4C"/>
+                </a:solidFill>
+                <a:latin typeface="+mn-lt"/>
+                <a:ea typeface="ＭＳ Ｐゴシック" charset="0"/>
+                <a:cs typeface="+mn-cs"/>
+              </a:defRPr>
+            </a:lvl4pPr>
+            <a:lvl5pPr marL="1371600" indent="-228600" algn="l" defTabSz="457200" rtl="0" eaLnBrk="1" fontAlgn="base" hangingPunct="1">
+              <a:spcBef>
+                <a:spcPts val="625"/>
+              </a:spcBef>
+              <a:spcAft>
+                <a:spcPct val="0"/>
+              </a:spcAft>
+              <a:buClr>
+                <a:schemeClr val="accent1"/>
+              </a:buClr>
+              <a:buFont typeface="Arial" charset="0"/>
+              <a:buChar char="•"/>
+              <a:defRPr sz="1600" kern="1200">
+                <a:solidFill>
+                  <a:srgbClr val="4C4C4C"/>
+                </a:solidFill>
+                <a:latin typeface="+mn-lt"/>
+                <a:ea typeface="ＭＳ Ｐゴシック" charset="0"/>
+                <a:cs typeface="+mn-cs"/>
+              </a:defRPr>
+            </a:lvl5pPr>
+            <a:lvl6pPr marL="2514600" indent="-228600" algn="l" defTabSz="457200" rtl="0" eaLnBrk="1" latinLnBrk="0" hangingPunct="1">
+              <a:spcBef>
+                <a:spcPct val="20000"/>
+              </a:spcBef>
+              <a:buFont typeface="Arial"/>
+              <a:buChar char="•"/>
+              <a:defRPr sz="2000" kern="1200">
+                <a:solidFill>
+                  <a:schemeClr val="tx1"/>
+                </a:solidFill>
+                <a:latin typeface="+mn-lt"/>
+                <a:ea typeface="+mn-ea"/>
+                <a:cs typeface="+mn-cs"/>
+              </a:defRPr>
+            </a:lvl6pPr>
+            <a:lvl7pPr marL="2971800" indent="-228600" algn="l" defTabSz="457200" rtl="0" eaLnBrk="1" latinLnBrk="0" hangingPunct="1">
+              <a:spcBef>
+                <a:spcPct val="20000"/>
+              </a:spcBef>
+              <a:buFont typeface="Arial"/>
+              <a:buChar char="•"/>
+              <a:defRPr sz="2000" kern="1200">
+                <a:solidFill>
+                  <a:schemeClr val="tx1"/>
+                </a:solidFill>
+                <a:latin typeface="+mn-lt"/>
+                <a:ea typeface="+mn-ea"/>
+                <a:cs typeface="+mn-cs"/>
+              </a:defRPr>
+            </a:lvl7pPr>
+            <a:lvl8pPr marL="3429000" indent="-228600" algn="l" defTabSz="457200" rtl="0" eaLnBrk="1" latinLnBrk="0" hangingPunct="1">
+              <a:spcBef>
+                <a:spcPct val="20000"/>
+              </a:spcBef>
+              <a:buFont typeface="Arial"/>
+              <a:buChar char="•"/>
+              <a:defRPr sz="2000" kern="1200">
+                <a:solidFill>
+                  <a:schemeClr val="tx1"/>
+                </a:solidFill>
+                <a:latin typeface="+mn-lt"/>
+                <a:ea typeface="+mn-ea"/>
+                <a:cs typeface="+mn-cs"/>
+              </a:defRPr>
+            </a:lvl8pPr>
+            <a:lvl9pPr marL="3886200" indent="-228600" algn="l" defTabSz="457200" rtl="0" eaLnBrk="1" latinLnBrk="0" hangingPunct="1">
+              <a:spcBef>
+                <a:spcPct val="20000"/>
+              </a:spcBef>
+              <a:buFont typeface="Arial"/>
+              <a:buChar char="•"/>
+              <a:defRPr sz="2000" kern="1200">
+                <a:solidFill>
+                  <a:schemeClr val="tx1"/>
+                </a:solidFill>
+                <a:latin typeface="+mn-lt"/>
+                <a:ea typeface="+mn-ea"/>
+                <a:cs typeface="+mn-cs"/>
+              </a:defRPr>
+            </a:lvl9pPr>
+          </a:lstStyle>
+          <a:p>
+            <a:pPr marL="0" indent="0">
+              <a:buFont typeface="Lucida Grande" charset="0"/>
+              <a:buNone/>
+            </a:pPr>
+            <a:r>
+              <a:rPr lang="en-US" sz="1800" b="1" dirty="0" smtClean="0"/>
+              <a:t>Linux-GA</a:t>
+            </a:r>
+          </a:p>
+          <a:p>
+            <a:r>
+              <a:rPr lang="en-US" sz="1800" dirty="0" smtClean="0"/>
+              <a:t>Nexus</a:t>
+            </a:r>
+          </a:p>
+          <a:p>
+            <a:endParaRPr lang="en-US" sz="1800" dirty="0" smtClean="0"/>
+          </a:p>
+          <a:p>
+            <a:endParaRPr lang="en-US" sz="1800" dirty="0"/>
+          </a:p>
+          <a:p>
+            <a:endParaRPr lang="en-US" sz="1800" dirty="0" smtClean="0"/>
+          </a:p>
+          <a:p>
+            <a:endParaRPr lang="en-US" sz="1800" dirty="0"/>
+          </a:p>
+          <a:p>
+            <a:endParaRPr lang="en-US" sz="1800" dirty="0" smtClean="0"/>
+          </a:p>
+          <a:p>
+            <a:endParaRPr lang="en-US" sz="1800" dirty="0"/>
+          </a:p>
+          <a:p>
+            <a:pPr marL="0" indent="0">
+              <a:buNone/>
+            </a:pPr>
+            <a:endParaRPr lang="en-US" sz="1800" dirty="0" smtClean="0"/>
+          </a:p>
+          <a:p>
+            <a:pPr marL="0" indent="0">
+              <a:buNone/>
+            </a:pPr>
+            <a:endParaRPr lang="en-US" sz="1800" dirty="0"/>
+          </a:p>
+          <a:p>
+            <a:r>
+              <a:rPr lang="en-US" sz="1800" dirty="0" smtClean="0"/>
+              <a:t>ESB</a:t>
+            </a:r>
+          </a:p>
+          <a:p>
+            <a:r>
+              <a:rPr lang="en-US" sz="1800" dirty="0" err="1"/>
+              <a:t>ActiveMQ</a:t>
+            </a:r>
+            <a:endParaRPr lang="en-US" sz="1800" dirty="0"/>
+          </a:p>
+          <a:p>
+            <a:endParaRPr lang="en-US" sz="1800" dirty="0"/>
+          </a:p>
+          <a:p>
+            <a:r>
+              <a:rPr lang="en-US" sz="1800" dirty="0" smtClean="0"/>
+              <a:t>VistA-GA</a:t>
+            </a:r>
+          </a:p>
+        </p:txBody>
+      </p:sp>
+      <p:sp>
+        <p:nvSpPr>
+          <p:cNvPr id="6" name="Content Placeholder 2"/>
+          <p:cNvSpPr txBox="1">
+            <a:spLocks/>
+          </p:cNvSpPr>
+          <p:nvPr/>
+        </p:nvSpPr>
+        <p:spPr bwMode="auto">
+          <a:xfrm>
+            <a:off x="6466697" y="1168398"/>
+            <a:ext cx="2372499" cy="4957763"/>
+          </a:xfrm>
+          <a:prstGeom prst="rect">
+            <a:avLst/>
+          </a:prstGeom>
+          <a:solidFill>
+            <a:schemeClr val="bg1">
+              <a:lumMod val="85000"/>
+            </a:schemeClr>
+          </a:solidFill>
+          <a:ln>
+            <a:solidFill>
+              <a:schemeClr val="bg1">
+                <a:lumMod val="50000"/>
+              </a:schemeClr>
+            </a:solidFill>
+          </a:ln>
+          <a:extLst>
+            <a:ext uri="{FAA26D3D-D897-4be2-8F04-BA451C77F1D7}">
+              <ma14:placeholderFlag xmlns="" xmlns:ma14="http://schemas.microsoft.com/office/mac/drawingml/2011/main" val="1"/>
+            </a:ext>
+          </a:extLst>
+        </p:spPr>
+        <p:txBody>
+          <a:bodyPr vert="horz" wrap="square" lIns="0" tIns="0" rIns="0" bIns="0" numCol="1" anchor="t" anchorCtr="0" compatLnSpc="1">
+            <a:prstTxWarp prst="textNoShape">
+              <a:avLst/>
+            </a:prstTxWarp>
+          </a:bodyPr>
+          <a:lstStyle>
+            <a:lvl1pPr marL="342900" indent="-342900" algn="l" defTabSz="457200" rtl="0" eaLnBrk="1" fontAlgn="base" hangingPunct="1">
+              <a:spcBef>
+                <a:spcPct val="20000"/>
+              </a:spcBef>
+              <a:spcAft>
+                <a:spcPct val="0"/>
+              </a:spcAft>
+              <a:buClr>
+                <a:schemeClr val="tx1"/>
+              </a:buClr>
+              <a:buSzPct val="70000"/>
+              <a:buFont typeface="Lucida Grande" charset="0"/>
+              <a:buChar char="➜"/>
+              <a:defRPr sz="2800" kern="1200">
+                <a:solidFill>
+                  <a:srgbClr val="657C95"/>
+                </a:solidFill>
+                <a:latin typeface="+mn-lt"/>
+                <a:ea typeface="ＭＳ Ｐゴシック" charset="0"/>
+                <a:cs typeface="ＭＳ Ｐゴシック" charset="0"/>
+              </a:defRPr>
+            </a:lvl1pPr>
+            <a:lvl2pPr marL="639763" indent="-228600" algn="l" defTabSz="457200" rtl="0" eaLnBrk="1" fontAlgn="base" hangingPunct="1">
+              <a:spcBef>
+                <a:spcPct val="20000"/>
+              </a:spcBef>
+              <a:spcAft>
+                <a:spcPct val="0"/>
+              </a:spcAft>
+              <a:buClr>
+                <a:schemeClr val="accent1"/>
+              </a:buClr>
+              <a:buFont typeface="Arial" charset="0"/>
+              <a:buChar char="•"/>
+              <a:defRPr sz="2400" kern="1200">
+                <a:solidFill>
+                  <a:srgbClr val="4C4C4C"/>
+                </a:solidFill>
+                <a:latin typeface="+mn-lt"/>
+                <a:ea typeface="ＭＳ Ｐゴシック" charset="0"/>
+                <a:cs typeface="+mn-cs"/>
+              </a:defRPr>
+            </a:lvl2pPr>
+            <a:lvl3pPr marL="914400" indent="-228600" algn="l" defTabSz="457200" rtl="0" eaLnBrk="1" fontAlgn="base" hangingPunct="1">
+              <a:spcBef>
+                <a:spcPct val="20000"/>
+              </a:spcBef>
+              <a:spcAft>
+                <a:spcPct val="0"/>
+              </a:spcAft>
+              <a:buClr>
+                <a:schemeClr val="tx1"/>
+              </a:buClr>
+              <a:buFont typeface="Arial" charset="0"/>
+              <a:buChar char="•"/>
+              <a:defRPr sz="2000" kern="1200">
+                <a:solidFill>
+                  <a:srgbClr val="4C4C4C"/>
+                </a:solidFill>
+                <a:latin typeface="+mn-lt"/>
+                <a:ea typeface="ＭＳ Ｐゴシック" charset="0"/>
+                <a:cs typeface="+mn-cs"/>
+              </a:defRPr>
+            </a:lvl3pPr>
+            <a:lvl4pPr marL="1143000" indent="-228600" algn="l" defTabSz="457200" rtl="0" eaLnBrk="1" fontAlgn="base" hangingPunct="1">
+              <a:spcBef>
+                <a:spcPct val="20000"/>
+              </a:spcBef>
+              <a:spcAft>
+                <a:spcPct val="0"/>
+              </a:spcAft>
+              <a:buClr>
+                <a:schemeClr val="tx1"/>
+              </a:buClr>
+              <a:buFont typeface="Arial" charset="0"/>
+              <a:buChar char="–"/>
+              <a:defRPr kern="1200">
+                <a:solidFill>
+                  <a:srgbClr val="4C4C4C"/>
+                </a:solidFill>
+                <a:latin typeface="+mn-lt"/>
+                <a:ea typeface="ＭＳ Ｐゴシック" charset="0"/>
+                <a:cs typeface="+mn-cs"/>
+              </a:defRPr>
+            </a:lvl4pPr>
+            <a:lvl5pPr marL="1371600" indent="-228600" algn="l" defTabSz="457200" rtl="0" eaLnBrk="1" fontAlgn="base" hangingPunct="1">
+              <a:spcBef>
+                <a:spcPts val="625"/>
+              </a:spcBef>
+              <a:spcAft>
+                <a:spcPct val="0"/>
+              </a:spcAft>
+              <a:buClr>
+                <a:schemeClr val="accent1"/>
+              </a:buClr>
+              <a:buFont typeface="Arial" charset="0"/>
+              <a:buChar char="•"/>
+              <a:defRPr sz="1600" kern="1200">
+                <a:solidFill>
+                  <a:srgbClr val="4C4C4C"/>
+                </a:solidFill>
+                <a:latin typeface="+mn-lt"/>
+                <a:ea typeface="ＭＳ Ｐゴシック" charset="0"/>
+                <a:cs typeface="+mn-cs"/>
+              </a:defRPr>
+            </a:lvl5pPr>
+            <a:lvl6pPr marL="2514600" indent="-228600" algn="l" defTabSz="457200" rtl="0" eaLnBrk="1" latinLnBrk="0" hangingPunct="1">
+              <a:spcBef>
+                <a:spcPct val="20000"/>
+              </a:spcBef>
+              <a:buFont typeface="Arial"/>
+              <a:buChar char="•"/>
+              <a:defRPr sz="2000" kern="1200">
+                <a:solidFill>
+                  <a:schemeClr val="tx1"/>
+                </a:solidFill>
+                <a:latin typeface="+mn-lt"/>
+                <a:ea typeface="+mn-ea"/>
+                <a:cs typeface="+mn-cs"/>
+              </a:defRPr>
+            </a:lvl6pPr>
+            <a:lvl7pPr marL="2971800" indent="-228600" algn="l" defTabSz="457200" rtl="0" eaLnBrk="1" latinLnBrk="0" hangingPunct="1">
+              <a:spcBef>
+                <a:spcPct val="20000"/>
+              </a:spcBef>
+              <a:buFont typeface="Arial"/>
+              <a:buChar char="•"/>
+              <a:defRPr sz="2000" kern="1200">
+                <a:solidFill>
+                  <a:schemeClr val="tx1"/>
+                </a:solidFill>
+                <a:latin typeface="+mn-lt"/>
+                <a:ea typeface="+mn-ea"/>
+                <a:cs typeface="+mn-cs"/>
+              </a:defRPr>
+            </a:lvl7pPr>
+            <a:lvl8pPr marL="3429000" indent="-228600" algn="l" defTabSz="457200" rtl="0" eaLnBrk="1" latinLnBrk="0" hangingPunct="1">
+              <a:spcBef>
+                <a:spcPct val="20000"/>
+              </a:spcBef>
+              <a:buFont typeface="Arial"/>
+              <a:buChar char="•"/>
+              <a:defRPr sz="2000" kern="1200">
+                <a:solidFill>
+                  <a:schemeClr val="tx1"/>
+                </a:solidFill>
+                <a:latin typeface="+mn-lt"/>
+                <a:ea typeface="+mn-ea"/>
+                <a:cs typeface="+mn-cs"/>
+              </a:defRPr>
+            </a:lvl8pPr>
+            <a:lvl9pPr marL="3886200" indent="-228600" algn="l" defTabSz="457200" rtl="0" eaLnBrk="1" latinLnBrk="0" hangingPunct="1">
+              <a:spcBef>
+                <a:spcPct val="20000"/>
+              </a:spcBef>
+              <a:buFont typeface="Arial"/>
+              <a:buChar char="•"/>
+              <a:defRPr sz="2000" kern="1200">
+                <a:solidFill>
+                  <a:schemeClr val="tx1"/>
+                </a:solidFill>
+                <a:latin typeface="+mn-lt"/>
+                <a:ea typeface="+mn-ea"/>
+                <a:cs typeface="+mn-cs"/>
+              </a:defRPr>
+            </a:lvl9pPr>
+          </a:lstStyle>
+          <a:p>
+            <a:pPr marL="0" indent="0">
+              <a:buFont typeface="Lucida Grande" charset="0"/>
+              <a:buNone/>
+            </a:pPr>
+            <a:r>
+              <a:rPr lang="en-US" sz="1800" b="1" dirty="0" smtClean="0"/>
+              <a:t>Linux-AL</a:t>
+            </a:r>
+          </a:p>
+          <a:p>
+            <a:r>
+              <a:rPr lang="en-US" sz="1800" dirty="0" smtClean="0"/>
+              <a:t>Cosmo Calendar Server</a:t>
+            </a:r>
+          </a:p>
+          <a:p>
+            <a:r>
+              <a:rPr lang="en-US" sz="1800" dirty="0" smtClean="0"/>
+              <a:t>Cosmo GUI</a:t>
+            </a:r>
+          </a:p>
+          <a:p>
+            <a:endParaRPr lang="en-US" sz="1800" dirty="0" smtClean="0"/>
+          </a:p>
+          <a:p>
+            <a:r>
+              <a:rPr lang="en-US" sz="1800" dirty="0" smtClean="0"/>
+              <a:t>Syncope Server</a:t>
+            </a:r>
+          </a:p>
+          <a:p>
+            <a:endParaRPr lang="en-US" sz="1800" dirty="0" smtClean="0"/>
+          </a:p>
+          <a:p>
+            <a:endParaRPr lang="en-US" sz="1800" dirty="0"/>
+          </a:p>
+          <a:p>
+            <a:endParaRPr lang="en-US" sz="1800" dirty="0" smtClean="0"/>
+          </a:p>
+          <a:p>
+            <a:endParaRPr lang="en-US" sz="1800" dirty="0" smtClean="0"/>
+          </a:p>
+          <a:p>
+            <a:r>
+              <a:rPr lang="en-US" sz="1800" dirty="0" smtClean="0"/>
+              <a:t>ESB</a:t>
+            </a:r>
+          </a:p>
+          <a:p>
+            <a:r>
+              <a:rPr lang="en-US" sz="1800" dirty="0" err="1" smtClean="0"/>
+              <a:t>ActiveMQ</a:t>
+            </a:r>
+            <a:endParaRPr lang="en-US" sz="1800" dirty="0" smtClean="0"/>
+          </a:p>
+          <a:p>
+            <a:endParaRPr lang="en-US" sz="1800" dirty="0"/>
+          </a:p>
+          <a:p>
+            <a:r>
+              <a:rPr lang="en-US" sz="1800" dirty="0" smtClean="0"/>
+              <a:t>VistA-AL</a:t>
+            </a:r>
+          </a:p>
+        </p:txBody>
+      </p:sp>
+    </p:spTree>
+    <p:extLst>
+      <p:ext uri="{BB962C8B-B14F-4D97-AF65-F5344CB8AC3E}">
+        <p14:creationId xmlns:p14="http://schemas.microsoft.com/office/powerpoint/2010/main" val="3137914301"/>
+      </p:ext>
+    </p:extLst>
+  </p:cSld>
+  <p:clrMapOvr>
+    <a:masterClrMapping/>
+  </p:clrMapOvr>
+</p:sld>
+</file>
+
+<file path=ppt/slides/slide20.xml><?xml version="1.0" encoding="utf-8"?>
 <p:sld xmlns:a="http://schemas.openxmlformats.org/drawingml/2006/main" xmlns:r="http://schemas.openxmlformats.org/officeDocument/2006/relationships" xmlns:p="http://schemas.openxmlformats.org/presentationml/2006/main">
   <p:cSld>
     <p:spTree>
@@ -4761,742 +5684,7 @@
 </p:sld>
 </file>
 
-<file path=ppt/slides/slide2.xml><?xml version="1.0" encoding="utf-8"?>
-<p:sld xmlns:a="http://schemas.openxmlformats.org/drawingml/2006/main" xmlns:r="http://schemas.openxmlformats.org/officeDocument/2006/relationships" xmlns:p="http://schemas.openxmlformats.org/presentationml/2006/main">
-  <p:cSld>
-    <p:spTree>
-      <p:nvGrpSpPr>
-        <p:cNvPr id="1" name=""/>
-        <p:cNvGrpSpPr/>
-        <p:nvPr/>
-      </p:nvGrpSpPr>
-      <p:grpSpPr>
-        <a:xfrm>
-          <a:off x="0" y="0"/>
-          <a:ext cx="0" cy="0"/>
-          <a:chOff x="0" y="0"/>
-          <a:chExt cx="0" cy="0"/>
-        </a:xfrm>
-      </p:grpSpPr>
-      <p:sp>
-        <p:nvSpPr>
-          <p:cNvPr id="2" name="Title 1"/>
-          <p:cNvSpPr>
-            <a:spLocks noGrp="1"/>
-          </p:cNvSpPr>
-          <p:nvPr>
-            <p:ph type="title"/>
-          </p:nvPr>
-        </p:nvSpPr>
-        <p:spPr/>
-        <p:txBody>
-          <a:bodyPr/>
-          <a:lstStyle/>
-          <a:p>
-            <a:r>
-              <a:rPr lang="en-US" dirty="0" smtClean="0"/>
-              <a:t>Inventory and Configuration</a:t>
-            </a:r>
-            <a:endParaRPr lang="en-US" dirty="0"/>
-          </a:p>
-        </p:txBody>
-      </p:sp>
-      <p:sp>
-        <p:nvSpPr>
-          <p:cNvPr id="3" name="Content Placeholder 2"/>
-          <p:cNvSpPr>
-            <a:spLocks noGrp="1"/>
-          </p:cNvSpPr>
-          <p:nvPr>
-            <p:ph idx="1"/>
-          </p:nvPr>
-        </p:nvSpPr>
-        <p:spPr>
-          <a:xfrm>
-            <a:off x="457201" y="1168398"/>
-            <a:ext cx="2747318" cy="4957763"/>
-          </a:xfrm>
-          <a:solidFill>
-            <a:schemeClr val="bg1">
-              <a:lumMod val="85000"/>
-            </a:schemeClr>
-          </a:solidFill>
-          <a:ln>
-            <a:solidFill>
-              <a:schemeClr val="bg1">
-                <a:lumMod val="50000"/>
-              </a:schemeClr>
-            </a:solidFill>
-          </a:ln>
-        </p:spPr>
-        <p:txBody>
-          <a:bodyPr/>
-          <a:lstStyle/>
-          <a:p>
-            <a:pPr marL="0" indent="0">
-              <a:buNone/>
-            </a:pPr>
-            <a:r>
-              <a:rPr lang="en-US" sz="1800" b="1" dirty="0" smtClean="0"/>
-              <a:t>Windows-CA</a:t>
-            </a:r>
-          </a:p>
-          <a:p>
-            <a:r>
-              <a:rPr lang="en-US" sz="1800" dirty="0" err="1" smtClean="0"/>
-              <a:t>MedSphereClient</a:t>
-            </a:r>
-            <a:endParaRPr lang="en-US" sz="1800" dirty="0" smtClean="0"/>
-          </a:p>
-          <a:p>
-            <a:endParaRPr lang="en-US" sz="1800" dirty="0" smtClean="0"/>
-          </a:p>
-          <a:p>
-            <a:r>
-              <a:rPr lang="en-US" sz="1800" dirty="0" smtClean="0"/>
-              <a:t>Mirth</a:t>
-            </a:r>
-          </a:p>
-          <a:p>
-            <a:endParaRPr lang="en-US" sz="1800" dirty="0" smtClean="0"/>
-          </a:p>
-          <a:p>
-            <a:r>
-              <a:rPr lang="en-US" sz="1800" dirty="0" smtClean="0"/>
-              <a:t>HL7 Inspector</a:t>
-            </a:r>
-            <a:endParaRPr lang="en-US" sz="1800" dirty="0"/>
-          </a:p>
-          <a:p>
-            <a:endParaRPr lang="en-US" sz="1800" dirty="0" smtClean="0"/>
-          </a:p>
-          <a:p>
-            <a:endParaRPr lang="en-US" sz="1800" dirty="0" smtClean="0"/>
-          </a:p>
-          <a:p>
-            <a:endParaRPr lang="en-US" sz="1800" dirty="0"/>
-          </a:p>
-          <a:p>
-            <a:endParaRPr lang="en-US" sz="1800" dirty="0" smtClean="0"/>
-          </a:p>
-          <a:p>
-            <a:r>
-              <a:rPr lang="en-US" sz="1800" dirty="0" smtClean="0"/>
-              <a:t>ESB</a:t>
-            </a:r>
-          </a:p>
-          <a:p>
-            <a:r>
-              <a:rPr lang="en-US" sz="1800" dirty="0" err="1" smtClean="0"/>
-              <a:t>ActiveMQ</a:t>
-            </a:r>
-            <a:endParaRPr lang="en-US" sz="1800" dirty="0" smtClean="0"/>
-          </a:p>
-          <a:p>
-            <a:endParaRPr lang="en-US" sz="1800" dirty="0"/>
-          </a:p>
-          <a:p>
-            <a:r>
-              <a:rPr lang="en-US" sz="1800" dirty="0" smtClean="0"/>
-              <a:t>VistA - CA</a:t>
-            </a:r>
-            <a:endParaRPr lang="en-US" sz="1800" dirty="0"/>
-          </a:p>
-        </p:txBody>
-      </p:sp>
-      <p:sp>
-        <p:nvSpPr>
-          <p:cNvPr id="4" name="Footer Placeholder 3"/>
-          <p:cNvSpPr>
-            <a:spLocks noGrp="1"/>
-          </p:cNvSpPr>
-          <p:nvPr>
-            <p:ph type="ftr" sz="quarter" idx="10"/>
-          </p:nvPr>
-        </p:nvSpPr>
-        <p:spPr/>
-        <p:txBody>
-          <a:bodyPr/>
-          <a:lstStyle/>
-          <a:p>
-            <a:pPr>
-              <a:defRPr/>
-            </a:pPr>
-            <a:r>
-              <a:rPr lang="en-US" smtClean="0"/>
-              <a:t>© Talend 2013</a:t>
-            </a:r>
-            <a:endParaRPr lang="fr-FR"/>
-          </a:p>
-        </p:txBody>
-      </p:sp>
-      <p:sp>
-        <p:nvSpPr>
-          <p:cNvPr id="5" name="Content Placeholder 2"/>
-          <p:cNvSpPr txBox="1">
-            <a:spLocks/>
-          </p:cNvSpPr>
-          <p:nvPr/>
-        </p:nvSpPr>
-        <p:spPr bwMode="auto">
-          <a:xfrm>
-            <a:off x="3509319" y="1168398"/>
-            <a:ext cx="2652582" cy="4957763"/>
-          </a:xfrm>
-          <a:prstGeom prst="rect">
-            <a:avLst/>
-          </a:prstGeom>
-          <a:solidFill>
-            <a:schemeClr val="bg1">
-              <a:lumMod val="85000"/>
-            </a:schemeClr>
-          </a:solidFill>
-          <a:ln>
-            <a:solidFill>
-              <a:schemeClr val="bg1">
-                <a:lumMod val="50000"/>
-              </a:schemeClr>
-            </a:solidFill>
-          </a:ln>
-          <a:extLst>
-            <a:ext uri="{FAA26D3D-D897-4be2-8F04-BA451C77F1D7}">
-              <ma14:placeholderFlag xmlns:ma14="http://schemas.microsoft.com/office/mac/drawingml/2011/main" xmlns="" val="1"/>
-            </a:ext>
-          </a:extLst>
-        </p:spPr>
-        <p:txBody>
-          <a:bodyPr vert="horz" wrap="square" lIns="0" tIns="0" rIns="0" bIns="0" numCol="1" anchor="t" anchorCtr="0" compatLnSpc="1">
-            <a:prstTxWarp prst="textNoShape">
-              <a:avLst/>
-            </a:prstTxWarp>
-          </a:bodyPr>
-          <a:lstStyle>
-            <a:lvl1pPr marL="342900" indent="-342900" algn="l" defTabSz="457200" rtl="0" eaLnBrk="1" fontAlgn="base" hangingPunct="1">
-              <a:spcBef>
-                <a:spcPct val="20000"/>
-              </a:spcBef>
-              <a:spcAft>
-                <a:spcPct val="0"/>
-              </a:spcAft>
-              <a:buClr>
-                <a:schemeClr val="tx1"/>
-              </a:buClr>
-              <a:buSzPct val="70000"/>
-              <a:buFont typeface="Lucida Grande" charset="0"/>
-              <a:buChar char="➜"/>
-              <a:defRPr sz="2800" kern="1200">
-                <a:solidFill>
-                  <a:srgbClr val="657C95"/>
-                </a:solidFill>
-                <a:latin typeface="+mn-lt"/>
-                <a:ea typeface="ＭＳ Ｐゴシック" charset="0"/>
-                <a:cs typeface="ＭＳ Ｐゴシック" charset="0"/>
-              </a:defRPr>
-            </a:lvl1pPr>
-            <a:lvl2pPr marL="639763" indent="-228600" algn="l" defTabSz="457200" rtl="0" eaLnBrk="1" fontAlgn="base" hangingPunct="1">
-              <a:spcBef>
-                <a:spcPct val="20000"/>
-              </a:spcBef>
-              <a:spcAft>
-                <a:spcPct val="0"/>
-              </a:spcAft>
-              <a:buClr>
-                <a:schemeClr val="accent1"/>
-              </a:buClr>
-              <a:buFont typeface="Arial" charset="0"/>
-              <a:buChar char="•"/>
-              <a:defRPr sz="2400" kern="1200">
-                <a:solidFill>
-                  <a:srgbClr val="4C4C4C"/>
-                </a:solidFill>
-                <a:latin typeface="+mn-lt"/>
-                <a:ea typeface="ＭＳ Ｐゴシック" charset="0"/>
-                <a:cs typeface="+mn-cs"/>
-              </a:defRPr>
-            </a:lvl2pPr>
-            <a:lvl3pPr marL="914400" indent="-228600" algn="l" defTabSz="457200" rtl="0" eaLnBrk="1" fontAlgn="base" hangingPunct="1">
-              <a:spcBef>
-                <a:spcPct val="20000"/>
-              </a:spcBef>
-              <a:spcAft>
-                <a:spcPct val="0"/>
-              </a:spcAft>
-              <a:buClr>
-                <a:schemeClr val="tx1"/>
-              </a:buClr>
-              <a:buFont typeface="Arial" charset="0"/>
-              <a:buChar char="•"/>
-              <a:defRPr sz="2000" kern="1200">
-                <a:solidFill>
-                  <a:srgbClr val="4C4C4C"/>
-                </a:solidFill>
-                <a:latin typeface="+mn-lt"/>
-                <a:ea typeface="ＭＳ Ｐゴシック" charset="0"/>
-                <a:cs typeface="+mn-cs"/>
-              </a:defRPr>
-            </a:lvl3pPr>
-            <a:lvl4pPr marL="1143000" indent="-228600" algn="l" defTabSz="457200" rtl="0" eaLnBrk="1" fontAlgn="base" hangingPunct="1">
-              <a:spcBef>
-                <a:spcPct val="20000"/>
-              </a:spcBef>
-              <a:spcAft>
-                <a:spcPct val="0"/>
-              </a:spcAft>
-              <a:buClr>
-                <a:schemeClr val="tx1"/>
-              </a:buClr>
-              <a:buFont typeface="Arial" charset="0"/>
-              <a:buChar char="–"/>
-              <a:defRPr kern="1200">
-                <a:solidFill>
-                  <a:srgbClr val="4C4C4C"/>
-                </a:solidFill>
-                <a:latin typeface="+mn-lt"/>
-                <a:ea typeface="ＭＳ Ｐゴシック" charset="0"/>
-                <a:cs typeface="+mn-cs"/>
-              </a:defRPr>
-            </a:lvl4pPr>
-            <a:lvl5pPr marL="1371600" indent="-228600" algn="l" defTabSz="457200" rtl="0" eaLnBrk="1" fontAlgn="base" hangingPunct="1">
-              <a:spcBef>
-                <a:spcPts val="625"/>
-              </a:spcBef>
-              <a:spcAft>
-                <a:spcPct val="0"/>
-              </a:spcAft>
-              <a:buClr>
-                <a:schemeClr val="accent1"/>
-              </a:buClr>
-              <a:buFont typeface="Arial" charset="0"/>
-              <a:buChar char="•"/>
-              <a:defRPr sz="1600" kern="1200">
-                <a:solidFill>
-                  <a:srgbClr val="4C4C4C"/>
-                </a:solidFill>
-                <a:latin typeface="+mn-lt"/>
-                <a:ea typeface="ＭＳ Ｐゴシック" charset="0"/>
-                <a:cs typeface="+mn-cs"/>
-              </a:defRPr>
-            </a:lvl5pPr>
-            <a:lvl6pPr marL="2514600" indent="-228600" algn="l" defTabSz="457200" rtl="0" eaLnBrk="1" latinLnBrk="0" hangingPunct="1">
-              <a:spcBef>
-                <a:spcPct val="20000"/>
-              </a:spcBef>
-              <a:buFont typeface="Arial"/>
-              <a:buChar char="•"/>
-              <a:defRPr sz="2000" kern="1200">
-                <a:solidFill>
-                  <a:schemeClr val="tx1"/>
-                </a:solidFill>
-                <a:latin typeface="+mn-lt"/>
-                <a:ea typeface="+mn-ea"/>
-                <a:cs typeface="+mn-cs"/>
-              </a:defRPr>
-            </a:lvl6pPr>
-            <a:lvl7pPr marL="2971800" indent="-228600" algn="l" defTabSz="457200" rtl="0" eaLnBrk="1" latinLnBrk="0" hangingPunct="1">
-              <a:spcBef>
-                <a:spcPct val="20000"/>
-              </a:spcBef>
-              <a:buFont typeface="Arial"/>
-              <a:buChar char="•"/>
-              <a:defRPr sz="2000" kern="1200">
-                <a:solidFill>
-                  <a:schemeClr val="tx1"/>
-                </a:solidFill>
-                <a:latin typeface="+mn-lt"/>
-                <a:ea typeface="+mn-ea"/>
-                <a:cs typeface="+mn-cs"/>
-              </a:defRPr>
-            </a:lvl7pPr>
-            <a:lvl8pPr marL="3429000" indent="-228600" algn="l" defTabSz="457200" rtl="0" eaLnBrk="1" latinLnBrk="0" hangingPunct="1">
-              <a:spcBef>
-                <a:spcPct val="20000"/>
-              </a:spcBef>
-              <a:buFont typeface="Arial"/>
-              <a:buChar char="•"/>
-              <a:defRPr sz="2000" kern="1200">
-                <a:solidFill>
-                  <a:schemeClr val="tx1"/>
-                </a:solidFill>
-                <a:latin typeface="+mn-lt"/>
-                <a:ea typeface="+mn-ea"/>
-                <a:cs typeface="+mn-cs"/>
-              </a:defRPr>
-            </a:lvl8pPr>
-            <a:lvl9pPr marL="3886200" indent="-228600" algn="l" defTabSz="457200" rtl="0" eaLnBrk="1" latinLnBrk="0" hangingPunct="1">
-              <a:spcBef>
-                <a:spcPct val="20000"/>
-              </a:spcBef>
-              <a:buFont typeface="Arial"/>
-              <a:buChar char="•"/>
-              <a:defRPr sz="2000" kern="1200">
-                <a:solidFill>
-                  <a:schemeClr val="tx1"/>
-                </a:solidFill>
-                <a:latin typeface="+mn-lt"/>
-                <a:ea typeface="+mn-ea"/>
-                <a:cs typeface="+mn-cs"/>
-              </a:defRPr>
-            </a:lvl9pPr>
-          </a:lstStyle>
-          <a:p>
-            <a:pPr marL="0" indent="0">
-              <a:buFont typeface="Lucida Grande" charset="0"/>
-              <a:buNone/>
-            </a:pPr>
-            <a:r>
-              <a:rPr lang="en-US" sz="1800" b="1" dirty="0" smtClean="0"/>
-              <a:t>Linux-GA</a:t>
-            </a:r>
-          </a:p>
-          <a:p>
-            <a:r>
-              <a:rPr lang="en-US" sz="1800" dirty="0" smtClean="0"/>
-              <a:t>Nexus</a:t>
-            </a:r>
-          </a:p>
-          <a:p>
-            <a:endParaRPr lang="en-US" sz="1800" dirty="0" smtClean="0"/>
-          </a:p>
-          <a:p>
-            <a:endParaRPr lang="en-US" sz="1800" dirty="0"/>
-          </a:p>
-          <a:p>
-            <a:endParaRPr lang="en-US" sz="1800" dirty="0" smtClean="0"/>
-          </a:p>
-          <a:p>
-            <a:endParaRPr lang="en-US" sz="1800" dirty="0"/>
-          </a:p>
-          <a:p>
-            <a:endParaRPr lang="en-US" sz="1800" dirty="0" smtClean="0"/>
-          </a:p>
-          <a:p>
-            <a:endParaRPr lang="en-US" sz="1800" dirty="0"/>
-          </a:p>
-          <a:p>
-            <a:pPr marL="0" indent="0">
-              <a:buNone/>
-            </a:pPr>
-            <a:endParaRPr lang="en-US" sz="1800" dirty="0" smtClean="0"/>
-          </a:p>
-          <a:p>
-            <a:pPr marL="0" indent="0">
-              <a:buNone/>
-            </a:pPr>
-            <a:endParaRPr lang="en-US" sz="1800" dirty="0"/>
-          </a:p>
-          <a:p>
-            <a:r>
-              <a:rPr lang="en-US" sz="1800" dirty="0" smtClean="0"/>
-              <a:t>ESB</a:t>
-            </a:r>
-          </a:p>
-          <a:p>
-            <a:r>
-              <a:rPr lang="en-US" sz="1800" dirty="0" err="1"/>
-              <a:t>ActiveMQ</a:t>
-            </a:r>
-            <a:endParaRPr lang="en-US" sz="1800" dirty="0"/>
-          </a:p>
-          <a:p>
-            <a:endParaRPr lang="en-US" sz="1800" dirty="0"/>
-          </a:p>
-          <a:p>
-            <a:r>
-              <a:rPr lang="en-US" sz="1800" dirty="0" smtClean="0"/>
-              <a:t>VistA-GA</a:t>
-            </a:r>
-          </a:p>
-        </p:txBody>
-      </p:sp>
-      <p:sp>
-        <p:nvSpPr>
-          <p:cNvPr id="6" name="Content Placeholder 2"/>
-          <p:cNvSpPr txBox="1">
-            <a:spLocks/>
-          </p:cNvSpPr>
-          <p:nvPr/>
-        </p:nvSpPr>
-        <p:spPr bwMode="auto">
-          <a:xfrm>
-            <a:off x="6466697" y="1168398"/>
-            <a:ext cx="2372499" cy="4957763"/>
-          </a:xfrm>
-          <a:prstGeom prst="rect">
-            <a:avLst/>
-          </a:prstGeom>
-          <a:solidFill>
-            <a:schemeClr val="bg1">
-              <a:lumMod val="85000"/>
-            </a:schemeClr>
-          </a:solidFill>
-          <a:ln>
-            <a:solidFill>
-              <a:schemeClr val="bg1">
-                <a:lumMod val="50000"/>
-              </a:schemeClr>
-            </a:solidFill>
-          </a:ln>
-          <a:extLst>
-            <a:ext uri="{FAA26D3D-D897-4be2-8F04-BA451C77F1D7}">
-              <ma14:placeholderFlag xmlns:ma14="http://schemas.microsoft.com/office/mac/drawingml/2011/main" xmlns="" val="1"/>
-            </a:ext>
-          </a:extLst>
-        </p:spPr>
-        <p:txBody>
-          <a:bodyPr vert="horz" wrap="square" lIns="0" tIns="0" rIns="0" bIns="0" numCol="1" anchor="t" anchorCtr="0" compatLnSpc="1">
-            <a:prstTxWarp prst="textNoShape">
-              <a:avLst/>
-            </a:prstTxWarp>
-          </a:bodyPr>
-          <a:lstStyle>
-            <a:lvl1pPr marL="342900" indent="-342900" algn="l" defTabSz="457200" rtl="0" eaLnBrk="1" fontAlgn="base" hangingPunct="1">
-              <a:spcBef>
-                <a:spcPct val="20000"/>
-              </a:spcBef>
-              <a:spcAft>
-                <a:spcPct val="0"/>
-              </a:spcAft>
-              <a:buClr>
-                <a:schemeClr val="tx1"/>
-              </a:buClr>
-              <a:buSzPct val="70000"/>
-              <a:buFont typeface="Lucida Grande" charset="0"/>
-              <a:buChar char="➜"/>
-              <a:defRPr sz="2800" kern="1200">
-                <a:solidFill>
-                  <a:srgbClr val="657C95"/>
-                </a:solidFill>
-                <a:latin typeface="+mn-lt"/>
-                <a:ea typeface="ＭＳ Ｐゴシック" charset="0"/>
-                <a:cs typeface="ＭＳ Ｐゴシック" charset="0"/>
-              </a:defRPr>
-            </a:lvl1pPr>
-            <a:lvl2pPr marL="639763" indent="-228600" algn="l" defTabSz="457200" rtl="0" eaLnBrk="1" fontAlgn="base" hangingPunct="1">
-              <a:spcBef>
-                <a:spcPct val="20000"/>
-              </a:spcBef>
-              <a:spcAft>
-                <a:spcPct val="0"/>
-              </a:spcAft>
-              <a:buClr>
-                <a:schemeClr val="accent1"/>
-              </a:buClr>
-              <a:buFont typeface="Arial" charset="0"/>
-              <a:buChar char="•"/>
-              <a:defRPr sz="2400" kern="1200">
-                <a:solidFill>
-                  <a:srgbClr val="4C4C4C"/>
-                </a:solidFill>
-                <a:latin typeface="+mn-lt"/>
-                <a:ea typeface="ＭＳ Ｐゴシック" charset="0"/>
-                <a:cs typeface="+mn-cs"/>
-              </a:defRPr>
-            </a:lvl2pPr>
-            <a:lvl3pPr marL="914400" indent="-228600" algn="l" defTabSz="457200" rtl="0" eaLnBrk="1" fontAlgn="base" hangingPunct="1">
-              <a:spcBef>
-                <a:spcPct val="20000"/>
-              </a:spcBef>
-              <a:spcAft>
-                <a:spcPct val="0"/>
-              </a:spcAft>
-              <a:buClr>
-                <a:schemeClr val="tx1"/>
-              </a:buClr>
-              <a:buFont typeface="Arial" charset="0"/>
-              <a:buChar char="•"/>
-              <a:defRPr sz="2000" kern="1200">
-                <a:solidFill>
-                  <a:srgbClr val="4C4C4C"/>
-                </a:solidFill>
-                <a:latin typeface="+mn-lt"/>
-                <a:ea typeface="ＭＳ Ｐゴシック" charset="0"/>
-                <a:cs typeface="+mn-cs"/>
-              </a:defRPr>
-            </a:lvl3pPr>
-            <a:lvl4pPr marL="1143000" indent="-228600" algn="l" defTabSz="457200" rtl="0" eaLnBrk="1" fontAlgn="base" hangingPunct="1">
-              <a:spcBef>
-                <a:spcPct val="20000"/>
-              </a:spcBef>
-              <a:spcAft>
-                <a:spcPct val="0"/>
-              </a:spcAft>
-              <a:buClr>
-                <a:schemeClr val="tx1"/>
-              </a:buClr>
-              <a:buFont typeface="Arial" charset="0"/>
-              <a:buChar char="–"/>
-              <a:defRPr kern="1200">
-                <a:solidFill>
-                  <a:srgbClr val="4C4C4C"/>
-                </a:solidFill>
-                <a:latin typeface="+mn-lt"/>
-                <a:ea typeface="ＭＳ Ｐゴシック" charset="0"/>
-                <a:cs typeface="+mn-cs"/>
-              </a:defRPr>
-            </a:lvl4pPr>
-            <a:lvl5pPr marL="1371600" indent="-228600" algn="l" defTabSz="457200" rtl="0" eaLnBrk="1" fontAlgn="base" hangingPunct="1">
-              <a:spcBef>
-                <a:spcPts val="625"/>
-              </a:spcBef>
-              <a:spcAft>
-                <a:spcPct val="0"/>
-              </a:spcAft>
-              <a:buClr>
-                <a:schemeClr val="accent1"/>
-              </a:buClr>
-              <a:buFont typeface="Arial" charset="0"/>
-              <a:buChar char="•"/>
-              <a:defRPr sz="1600" kern="1200">
-                <a:solidFill>
-                  <a:srgbClr val="4C4C4C"/>
-                </a:solidFill>
-                <a:latin typeface="+mn-lt"/>
-                <a:ea typeface="ＭＳ Ｐゴシック" charset="0"/>
-                <a:cs typeface="+mn-cs"/>
-              </a:defRPr>
-            </a:lvl5pPr>
-            <a:lvl6pPr marL="2514600" indent="-228600" algn="l" defTabSz="457200" rtl="0" eaLnBrk="1" latinLnBrk="0" hangingPunct="1">
-              <a:spcBef>
-                <a:spcPct val="20000"/>
-              </a:spcBef>
-              <a:buFont typeface="Arial"/>
-              <a:buChar char="•"/>
-              <a:defRPr sz="2000" kern="1200">
-                <a:solidFill>
-                  <a:schemeClr val="tx1"/>
-                </a:solidFill>
-                <a:latin typeface="+mn-lt"/>
-                <a:ea typeface="+mn-ea"/>
-                <a:cs typeface="+mn-cs"/>
-              </a:defRPr>
-            </a:lvl6pPr>
-            <a:lvl7pPr marL="2971800" indent="-228600" algn="l" defTabSz="457200" rtl="0" eaLnBrk="1" latinLnBrk="0" hangingPunct="1">
-              <a:spcBef>
-                <a:spcPct val="20000"/>
-              </a:spcBef>
-              <a:buFont typeface="Arial"/>
-              <a:buChar char="•"/>
-              <a:defRPr sz="2000" kern="1200">
-                <a:solidFill>
-                  <a:schemeClr val="tx1"/>
-                </a:solidFill>
-                <a:latin typeface="+mn-lt"/>
-                <a:ea typeface="+mn-ea"/>
-                <a:cs typeface="+mn-cs"/>
-              </a:defRPr>
-            </a:lvl7pPr>
-            <a:lvl8pPr marL="3429000" indent="-228600" algn="l" defTabSz="457200" rtl="0" eaLnBrk="1" latinLnBrk="0" hangingPunct="1">
-              <a:spcBef>
-                <a:spcPct val="20000"/>
-              </a:spcBef>
-              <a:buFont typeface="Arial"/>
-              <a:buChar char="•"/>
-              <a:defRPr sz="2000" kern="1200">
-                <a:solidFill>
-                  <a:schemeClr val="tx1"/>
-                </a:solidFill>
-                <a:latin typeface="+mn-lt"/>
-                <a:ea typeface="+mn-ea"/>
-                <a:cs typeface="+mn-cs"/>
-              </a:defRPr>
-            </a:lvl8pPr>
-            <a:lvl9pPr marL="3886200" indent="-228600" algn="l" defTabSz="457200" rtl="0" eaLnBrk="1" latinLnBrk="0" hangingPunct="1">
-              <a:spcBef>
-                <a:spcPct val="20000"/>
-              </a:spcBef>
-              <a:buFont typeface="Arial"/>
-              <a:buChar char="•"/>
-              <a:defRPr sz="2000" kern="1200">
-                <a:solidFill>
-                  <a:schemeClr val="tx1"/>
-                </a:solidFill>
-                <a:latin typeface="+mn-lt"/>
-                <a:ea typeface="+mn-ea"/>
-                <a:cs typeface="+mn-cs"/>
-              </a:defRPr>
-            </a:lvl9pPr>
-          </a:lstStyle>
-          <a:p>
-            <a:pPr marL="0" indent="0">
-              <a:buFont typeface="Lucida Grande" charset="0"/>
-              <a:buNone/>
-            </a:pPr>
-            <a:r>
-              <a:rPr lang="en-US" sz="1800" b="1" dirty="0" smtClean="0"/>
-              <a:t>Linux-AL</a:t>
-            </a:r>
-          </a:p>
-          <a:p>
-            <a:r>
-              <a:rPr lang="en-US" sz="1800" dirty="0" smtClean="0"/>
-              <a:t>Cosmo Calendar Server</a:t>
-            </a:r>
-          </a:p>
-          <a:p>
-            <a:r>
-              <a:rPr lang="en-US" sz="1800" dirty="0" smtClean="0"/>
-              <a:t>Cosmo GUI</a:t>
-            </a:r>
-          </a:p>
-          <a:p>
-            <a:endParaRPr lang="en-US" sz="1800" dirty="0" smtClean="0"/>
-          </a:p>
-          <a:p>
-            <a:r>
-              <a:rPr lang="en-US" sz="1800" dirty="0" smtClean="0"/>
-              <a:t>Syncope Server</a:t>
-            </a:r>
-          </a:p>
-          <a:p>
-            <a:endParaRPr lang="en-US" sz="1800" dirty="0" smtClean="0"/>
-          </a:p>
-          <a:p>
-            <a:endParaRPr lang="en-US" sz="1800" dirty="0"/>
-          </a:p>
-          <a:p>
-            <a:endParaRPr lang="en-US" sz="1800" dirty="0" smtClean="0"/>
-          </a:p>
-          <a:p>
-            <a:endParaRPr lang="en-US" sz="1800" dirty="0" smtClean="0"/>
-          </a:p>
-          <a:p>
-            <a:r>
-              <a:rPr lang="en-US" sz="1800" dirty="0" smtClean="0"/>
-              <a:t>ESB</a:t>
-            </a:r>
-          </a:p>
-          <a:p>
-            <a:r>
-              <a:rPr lang="en-US" sz="1800" dirty="0" err="1" smtClean="0"/>
-              <a:t>ActiveMQ</a:t>
-            </a:r>
-            <a:endParaRPr lang="en-US" sz="1800" dirty="0" smtClean="0"/>
-          </a:p>
-          <a:p>
-            <a:endParaRPr lang="en-US" sz="1800" dirty="0"/>
-          </a:p>
-          <a:p>
-            <a:r>
-              <a:rPr lang="en-US" sz="1800" dirty="0" smtClean="0"/>
-              <a:t>VistA-AL</a:t>
-            </a:r>
-          </a:p>
-        </p:txBody>
-      </p:sp>
-    </p:spTree>
-    <p:extLst>
-      <p:ext uri="{BB962C8B-B14F-4D97-AF65-F5344CB8AC3E}">
-        <p14:creationId xmlns:p14="http://schemas.microsoft.com/office/powerpoint/2010/main" val="3137914301"/>
-      </p:ext>
-    </p:extLst>
-  </p:cSld>
-  <p:clrMapOvr>
-    <a:masterClrMapping/>
-  </p:clrMapOvr>
-</p:sld>
-</file>
-
-<file path=ppt/slides/slide20.xml><?xml version="1.0" encoding="utf-8"?>
+<file path=ppt/slides/slide21.xml><?xml version="1.0" encoding="utf-8"?>
 <p:sld xmlns:a="http://schemas.openxmlformats.org/drawingml/2006/main" xmlns:r="http://schemas.openxmlformats.org/officeDocument/2006/relationships" xmlns:p="http://schemas.openxmlformats.org/presentationml/2006/main">
   <p:cSld>
     <p:spTree>
@@ -5704,7 +5892,7 @@
 </p:sld>
 </file>
 
-<file path=ppt/slides/slide21.xml><?xml version="1.0" encoding="utf-8"?>
+<file path=ppt/slides/slide22.xml><?xml version="1.0" encoding="utf-8"?>
 <p:sld xmlns:a="http://schemas.openxmlformats.org/drawingml/2006/main" xmlns:r="http://schemas.openxmlformats.org/officeDocument/2006/relationships" xmlns:p="http://schemas.openxmlformats.org/presentationml/2006/main">
   <p:cSld>
     <p:spTree>
@@ -5906,7 +6094,7 @@
 </p:sld>
 </file>
 
-<file path=ppt/slides/slide22.xml><?xml version="1.0" encoding="utf-8"?>
+<file path=ppt/slides/slide23.xml><?xml version="1.0" encoding="utf-8"?>
 <p:sld xmlns:a="http://schemas.openxmlformats.org/drawingml/2006/main" xmlns:r="http://schemas.openxmlformats.org/officeDocument/2006/relationships" xmlns:p="http://schemas.openxmlformats.org/presentationml/2006/main">
   <p:cSld>
     <p:spTree>
@@ -6124,7 +6312,7 @@
 </p:sld>
 </file>
 
-<file path=ppt/slides/slide23.xml><?xml version="1.0" encoding="utf-8"?>
+<file path=ppt/slides/slide24.xml><?xml version="1.0" encoding="utf-8"?>
 <p:sld xmlns:a="http://schemas.openxmlformats.org/drawingml/2006/main" xmlns:r="http://schemas.openxmlformats.org/officeDocument/2006/relationships" xmlns:p="http://schemas.openxmlformats.org/presentationml/2006/main">
   <p:cSld>
     <p:spTree>
@@ -6304,7 +6492,7 @@
 </p:sld>
 </file>
 
-<file path=ppt/slides/slide24.xml><?xml version="1.0" encoding="utf-8"?>
+<file path=ppt/slides/slide25.xml><?xml version="1.0" encoding="utf-8"?>
 <p:sld xmlns:a="http://schemas.openxmlformats.org/drawingml/2006/main" xmlns:r="http://schemas.openxmlformats.org/officeDocument/2006/relationships" xmlns:p="http://schemas.openxmlformats.org/presentationml/2006/main">
   <p:cSld>
     <p:spTree>
@@ -6464,7 +6652,7 @@
 </p:sld>
 </file>
 
-<file path=ppt/slides/slide25.xml><?xml version="1.0" encoding="utf-8"?>
+<file path=ppt/slides/slide26.xml><?xml version="1.0" encoding="utf-8"?>
 <p:sld xmlns:a="http://schemas.openxmlformats.org/drawingml/2006/main" xmlns:r="http://schemas.openxmlformats.org/officeDocument/2006/relationships" xmlns:p="http://schemas.openxmlformats.org/presentationml/2006/main">
   <p:cSld>
     <p:spTree>
@@ -6624,91 +6812,6 @@
 </p:sld>
 </file>
 
-<file path=ppt/slides/slide26.xml><?xml version="1.0" encoding="utf-8"?>
-<p:sld xmlns:a="http://schemas.openxmlformats.org/drawingml/2006/main" xmlns:r="http://schemas.openxmlformats.org/officeDocument/2006/relationships" xmlns:p="http://schemas.openxmlformats.org/presentationml/2006/main">
-  <p:cSld>
-    <p:spTree>
-      <p:nvGrpSpPr>
-        <p:cNvPr id="1" name=""/>
-        <p:cNvGrpSpPr/>
-        <p:nvPr/>
-      </p:nvGrpSpPr>
-      <p:grpSpPr>
-        <a:xfrm>
-          <a:off x="0" y="0"/>
-          <a:ext cx="0" cy="0"/>
-          <a:chOff x="0" y="0"/>
-          <a:chExt cx="0" cy="0"/>
-        </a:xfrm>
-      </p:grpSpPr>
-      <p:sp>
-        <p:nvSpPr>
-          <p:cNvPr id="5" name="Title 4"/>
-          <p:cNvSpPr>
-            <a:spLocks noGrp="1"/>
-          </p:cNvSpPr>
-          <p:nvPr>
-            <p:ph type="title"/>
-          </p:nvPr>
-        </p:nvSpPr>
-        <p:spPr>
-          <a:xfrm>
-            <a:off x="457200" y="2251993"/>
-            <a:ext cx="8229600" cy="846138"/>
-          </a:xfrm>
-        </p:spPr>
-        <p:txBody>
-          <a:bodyPr/>
-          <a:lstStyle/>
-          <a:p>
-            <a:pPr algn="ctr"/>
-            <a:r>
-              <a:rPr lang="en-US" dirty="0" smtClean="0"/>
-              <a:t>Deploy to Runtime</a:t>
-            </a:r>
-            <a:endParaRPr lang="en-US" dirty="0"/>
-          </a:p>
-        </p:txBody>
-      </p:sp>
-      <p:sp>
-        <p:nvSpPr>
-          <p:cNvPr id="4" name="Footer Placeholder 3"/>
-          <p:cNvSpPr>
-            <a:spLocks noGrp="1"/>
-          </p:cNvSpPr>
-          <p:nvPr>
-            <p:ph type="ftr" sz="quarter" idx="10"/>
-          </p:nvPr>
-        </p:nvSpPr>
-        <p:spPr/>
-        <p:txBody>
-          <a:bodyPr/>
-          <a:lstStyle/>
-          <a:p>
-            <a:pPr>
-              <a:defRPr/>
-            </a:pPr>
-            <a:r>
-              <a:rPr lang="en-US" smtClean="0"/>
-              <a:t>© Talend 2013</a:t>
-            </a:r>
-            <a:endParaRPr lang="fr-FR"/>
-          </a:p>
-        </p:txBody>
-      </p:sp>
-    </p:spTree>
-    <p:extLst>
-      <p:ext uri="{BB962C8B-B14F-4D97-AF65-F5344CB8AC3E}">
-        <p14:creationId xmlns:p14="http://schemas.microsoft.com/office/powerpoint/2010/main" val="2605206994"/>
-      </p:ext>
-    </p:extLst>
-  </p:cSld>
-  <p:clrMapOvr>
-    <a:masterClrMapping/>
-  </p:clrMapOvr>
-</p:sld>
-</file>
-
 <file path=ppt/slides/slide27.xml><?xml version="1.0" encoding="utf-8"?>
 <p:sld xmlns:a="http://schemas.openxmlformats.org/drawingml/2006/main" xmlns:r="http://schemas.openxmlformats.org/officeDocument/2006/relationships" xmlns:p="http://schemas.openxmlformats.org/presentationml/2006/main">
   <p:cSld>
@@ -6728,7 +6831,7 @@
       </p:grpSpPr>
       <p:sp>
         <p:nvSpPr>
-          <p:cNvPr id="2" name="Title 1"/>
+          <p:cNvPr id="5" name="Title 4"/>
           <p:cNvSpPr>
             <a:spLocks noGrp="1"/>
           </p:cNvSpPr>
@@ -6736,157 +6839,22 @@
             <p:ph type="title"/>
           </p:nvPr>
         </p:nvSpPr>
-        <p:spPr/>
+        <p:spPr>
+          <a:xfrm>
+            <a:off x="457200" y="2251993"/>
+            <a:ext cx="8229600" cy="846138"/>
+          </a:xfrm>
+        </p:spPr>
         <p:txBody>
           <a:bodyPr/>
           <a:lstStyle/>
           <a:p>
-            <a:r>
-              <a:rPr lang="en-US" sz="2800" dirty="0" smtClean="0"/>
-              <a:t>Deploying to Runtime  (1/3)</a:t>
-            </a:r>
-            <a:endParaRPr lang="en-US" sz="2800" dirty="0"/>
-          </a:p>
-        </p:txBody>
-      </p:sp>
-      <p:sp>
-        <p:nvSpPr>
-          <p:cNvPr id="3" name="Content Placeholder 2"/>
-          <p:cNvSpPr>
-            <a:spLocks noGrp="1"/>
-          </p:cNvSpPr>
-          <p:nvPr>
-            <p:ph idx="1"/>
-          </p:nvPr>
-        </p:nvSpPr>
-        <p:spPr/>
-        <p:txBody>
-          <a:bodyPr/>
-          <a:lstStyle/>
-          <a:p>
-            <a:r>
-              <a:rPr lang="en-US" sz="2400" dirty="0" smtClean="0"/>
-              <a:t>Runtime environment could be test, QA, UAT, or production</a:t>
-            </a:r>
-          </a:p>
-          <a:p>
-            <a:endParaRPr lang="en-US" sz="2400" dirty="0"/>
-          </a:p>
-          <a:p>
-            <a:r>
-              <a:rPr lang="en-US" sz="2400" dirty="0" smtClean="0"/>
-              <a:t>Start ESB Node in console mode</a:t>
-            </a:r>
-          </a:p>
-          <a:p>
-            <a:pPr marL="0" indent="0">
-              <a:buNone/>
-            </a:pPr>
-            <a:r>
-              <a:rPr lang="en-US" sz="2400" dirty="0" smtClean="0">
-                <a:latin typeface="Courier New" pitchFamily="49" charset="0"/>
-                <a:cs typeface="Courier New" pitchFamily="49" charset="0"/>
-              </a:rPr>
-              <a:t>&gt; cd /opt/</a:t>
-            </a:r>
-            <a:r>
-              <a:rPr lang="en-US" sz="2400" dirty="0" err="1" smtClean="0">
-                <a:latin typeface="Courier New" pitchFamily="49" charset="0"/>
-                <a:cs typeface="Courier New" pitchFamily="49" charset="0"/>
-              </a:rPr>
-              <a:t>tesb</a:t>
-            </a:r>
-            <a:endParaRPr lang="en-US" sz="2400" dirty="0" smtClean="0">
-              <a:latin typeface="Courier New" pitchFamily="49" charset="0"/>
-              <a:cs typeface="Courier New" pitchFamily="49" charset="0"/>
-            </a:endParaRPr>
-          </a:p>
-          <a:p>
-            <a:pPr marL="0" indent="0">
-              <a:buNone/>
-            </a:pPr>
-            <a:r>
-              <a:rPr lang="en-US" sz="2400" dirty="0" smtClean="0">
-                <a:latin typeface="Courier New" pitchFamily="49" charset="0"/>
-                <a:cs typeface="Courier New" pitchFamily="49" charset="0"/>
-              </a:rPr>
-              <a:t>&gt; bin/</a:t>
-            </a:r>
-            <a:r>
-              <a:rPr lang="en-US" sz="2400" dirty="0" err="1" smtClean="0">
-                <a:latin typeface="Courier New" pitchFamily="49" charset="0"/>
-                <a:cs typeface="Courier New" pitchFamily="49" charset="0"/>
-              </a:rPr>
-              <a:t>trun</a:t>
-            </a:r>
-            <a:endParaRPr lang="en-US" sz="2400" dirty="0" smtClean="0">
-              <a:latin typeface="Courier New" pitchFamily="49" charset="0"/>
-              <a:cs typeface="Courier New" pitchFamily="49" charset="0"/>
-            </a:endParaRPr>
-          </a:p>
-          <a:p>
-            <a:pPr marL="0" indent="0">
-              <a:buNone/>
-            </a:pPr>
-            <a:r>
-              <a:rPr lang="en-US" sz="2400" dirty="0" smtClean="0">
-                <a:latin typeface="Courier New" pitchFamily="49" charset="0"/>
-                <a:cs typeface="Courier New" pitchFamily="49" charset="0"/>
-              </a:rPr>
-              <a:t>OR</a:t>
-            </a:r>
-          </a:p>
-          <a:p>
-            <a:pPr marL="0" indent="0">
-              <a:buNone/>
-            </a:pPr>
-            <a:r>
-              <a:rPr lang="en-US" sz="2400" dirty="0" smtClean="0">
-                <a:latin typeface="Courier New" pitchFamily="49" charset="0"/>
-                <a:cs typeface="Courier New" pitchFamily="49" charset="0"/>
-              </a:rPr>
-              <a:t>&gt; bin/start # to run as a service</a:t>
-            </a:r>
-          </a:p>
-          <a:p>
-            <a:endParaRPr lang="en-US" sz="2400" dirty="0"/>
-          </a:p>
-          <a:p>
-            <a:r>
-              <a:rPr lang="en-US" sz="2400" dirty="0" smtClean="0"/>
-              <a:t>Start Nexus Server</a:t>
-            </a:r>
-          </a:p>
-          <a:p>
-            <a:pPr marL="0" indent="0">
-              <a:buNone/>
-            </a:pPr>
-            <a:r>
-              <a:rPr lang="en-US" sz="2400" dirty="0" smtClean="0">
-                <a:latin typeface="Courier New" pitchFamily="49" charset="0"/>
-                <a:cs typeface="Courier New" pitchFamily="49" charset="0"/>
-              </a:rPr>
-              <a:t>&gt; cd /opt/nexus</a:t>
-            </a:r>
-          </a:p>
-          <a:p>
-            <a:pPr marL="0" indent="0">
-              <a:buNone/>
-            </a:pPr>
-            <a:r>
-              <a:rPr lang="en-US" sz="2400" dirty="0" smtClean="0">
-                <a:latin typeface="Courier New" pitchFamily="49" charset="0"/>
-                <a:cs typeface="Courier New" pitchFamily="49" charset="0"/>
-              </a:rPr>
-              <a:t>&gt; /</a:t>
-            </a:r>
-            <a:r>
-              <a:rPr lang="en-US" sz="2400" dirty="0">
-                <a:latin typeface="Courier New" pitchFamily="49" charset="0"/>
-                <a:cs typeface="Courier New" pitchFamily="49" charset="0"/>
-              </a:rPr>
-              <a:t>bin/nexus start</a:t>
-            </a:r>
+            <a:pPr algn="ctr"/>
+            <a:r>
+              <a:rPr lang="en-US" dirty="0" smtClean="0"/>
+              <a:t>Deploy to Runtime</a:t>
+            </a:r>
+            <a:endParaRPr lang="en-US" dirty="0"/>
           </a:p>
         </p:txBody>
       </p:sp>
@@ -6919,7 +6887,7 @@
     </p:spTree>
     <p:extLst>
       <p:ext uri="{BB962C8B-B14F-4D97-AF65-F5344CB8AC3E}">
-        <p14:creationId xmlns:p14="http://schemas.microsoft.com/office/powerpoint/2010/main" val="1498249047"/>
+        <p14:creationId xmlns:p14="http://schemas.microsoft.com/office/powerpoint/2010/main" val="2605206994"/>
       </p:ext>
     </p:extLst>
   </p:cSld>
@@ -6948,7 +6916,7 @@
       </p:grpSpPr>
       <p:sp>
         <p:nvSpPr>
-          <p:cNvPr id="2" name="Title 1"/>
+          <p:cNvPr id="4" name="Title 3"/>
           <p:cNvSpPr>
             <a:spLocks noGrp="1"/>
           </p:cNvSpPr>
@@ -6962,16 +6930,24 @@
           <a:lstStyle/>
           <a:p>
             <a:r>
-              <a:rPr lang="en-US" sz="2800" dirty="0" smtClean="0"/>
-              <a:t>Deployment Binary to Repository (2/3)</a:t>
-            </a:r>
-            <a:endParaRPr lang="en-US" sz="2800" dirty="0"/>
-          </a:p>
-        </p:txBody>
-      </p:sp>
-      <p:sp>
-        <p:nvSpPr>
-          <p:cNvPr id="3" name="Content Placeholder 2"/>
+              <a:rPr lang="en-US" dirty="0" smtClean="0"/>
+              <a:t>Deploying OSGI </a:t>
+            </a:r>
+            <a:r>
+              <a:rPr lang="en-US" dirty="0" err="1" smtClean="0"/>
+              <a:t>Config</a:t>
+            </a:r>
+            <a:r>
+              <a:rPr lang="en-US" dirty="0" smtClean="0"/>
+              <a:t> Files</a:t>
+            </a:r>
+            <a:endParaRPr lang="en-US" dirty="0"/>
+          </a:p>
+        </p:txBody>
+      </p:sp>
+      <p:sp>
+        <p:nvSpPr>
+          <p:cNvPr id="5" name="Content Placeholder 4"/>
           <p:cNvSpPr>
             <a:spLocks noGrp="1"/>
           </p:cNvSpPr>
@@ -6985,90 +6961,113 @@
           <a:lstStyle/>
           <a:p>
             <a:r>
-              <a:rPr lang="en-US" sz="2400" dirty="0" smtClean="0"/>
-              <a:t>Maven pom.xml build file is already pointed to local Nexus repository.</a:t>
-            </a:r>
-          </a:p>
-          <a:p>
-            <a:endParaRPr lang="en-US" sz="2400" dirty="0" smtClean="0"/>
-          </a:p>
-          <a:p>
-            <a:r>
-              <a:rPr lang="en-US" sz="2400" dirty="0" smtClean="0"/>
-              <a:t>Commandline:</a:t>
-            </a:r>
-            <a:br>
-              <a:rPr lang="en-US" sz="2400" dirty="0" smtClean="0"/>
-            </a:br>
-            <a:r>
-              <a:rPr lang="en-US" sz="2400" dirty="0" smtClean="0">
-                <a:latin typeface="Courier New" pitchFamily="49" charset="0"/>
-                <a:cs typeface="Courier New" pitchFamily="49" charset="0"/>
-              </a:rPr>
-              <a:t>&gt; </a:t>
-            </a:r>
-            <a:r>
-              <a:rPr lang="en-US" sz="2400" dirty="0" err="1" smtClean="0">
-                <a:latin typeface="Courier New" pitchFamily="49" charset="0"/>
-                <a:cs typeface="Courier New" pitchFamily="49" charset="0"/>
-              </a:rPr>
-              <a:t>mvn</a:t>
-            </a:r>
-            <a:r>
-              <a:rPr lang="en-US" sz="2400" dirty="0" smtClean="0">
-                <a:latin typeface="Courier New" pitchFamily="49" charset="0"/>
-                <a:cs typeface="Courier New" pitchFamily="49" charset="0"/>
-              </a:rPr>
-              <a:t> deploy</a:t>
-            </a:r>
-            <a:endParaRPr lang="en-US" sz="2400" dirty="0">
-              <a:latin typeface="Courier New" pitchFamily="49" charset="0"/>
-              <a:cs typeface="Courier New" pitchFamily="49" charset="0"/>
-            </a:endParaRPr>
-          </a:p>
-          <a:p>
-            <a:endParaRPr lang="en-US" sz="2400" dirty="0" smtClean="0"/>
-          </a:p>
-          <a:p>
-            <a:r>
-              <a:rPr lang="en-US" sz="2400" dirty="0" smtClean="0"/>
-              <a:t>This publishes the binary artifacts to the repository</a:t>
-            </a:r>
-          </a:p>
-          <a:p>
-            <a:r>
-              <a:rPr lang="en-US" sz="2400" dirty="0" smtClean="0"/>
-              <a:t>Deploys both OSGI bundles (jar) files and Feature.xml metadata files.</a:t>
-            </a:r>
-          </a:p>
-          <a:p>
-            <a:r>
-              <a:rPr lang="en-US" sz="2400" dirty="0" smtClean="0"/>
-              <a:t>Which repository it is published to is controlled by the </a:t>
-            </a:r>
-            <a:r>
-              <a:rPr lang="en-US" sz="2400" dirty="0" err="1" smtClean="0"/>
-              <a:t>distributionManagement</a:t>
-            </a:r>
-            <a:r>
-              <a:rPr lang="en-US" sz="2400" dirty="0" smtClean="0"/>
-              <a:t> element of the POM.  (In this case located in the demo-parent </a:t>
-            </a:r>
-            <a:r>
-              <a:rPr lang="en-US" sz="2400" dirty="0" err="1" smtClean="0"/>
-              <a:t>pom</a:t>
-            </a:r>
-            <a:r>
-              <a:rPr lang="en-US" sz="2400" dirty="0" smtClean="0"/>
-              <a:t> file.)</a:t>
-            </a:r>
-            <a:endParaRPr lang="en-US" sz="2400" dirty="0"/>
-          </a:p>
-        </p:txBody>
-      </p:sp>
-      <p:sp>
-        <p:nvSpPr>
-          <p:cNvPr id="4" name="Footer Placeholder 3"/>
+              <a:rPr lang="en-US" dirty="0" err="1" smtClean="0"/>
+              <a:t>Karaf</a:t>
+            </a:r>
+            <a:r>
+              <a:rPr lang="en-US" dirty="0" smtClean="0"/>
+              <a:t> OSGI </a:t>
+            </a:r>
+            <a:r>
+              <a:rPr lang="en-US" dirty="0" err="1" smtClean="0"/>
+              <a:t>config</a:t>
+            </a:r>
+            <a:r>
+              <a:rPr lang="en-US" dirty="0" smtClean="0"/>
+              <a:t> files are located in the </a:t>
+            </a:r>
+            <a:r>
+              <a:rPr lang="en-US" dirty="0" err="1" smtClean="0"/>
+              <a:t>etc</a:t>
+            </a:r>
+            <a:r>
+              <a:rPr lang="en-US" dirty="0" smtClean="0"/>
+              <a:t> folder</a:t>
+            </a:r>
+          </a:p>
+          <a:p>
+            <a:pPr lvl="1"/>
+            <a:r>
+              <a:rPr lang="en-US" dirty="0"/>
+              <a:t>C:\</a:t>
+            </a:r>
+            <a:r>
+              <a:rPr lang="en-US" dirty="0" smtClean="0"/>
+              <a:t>TESB_SE-V5.2.2\c0\etc</a:t>
+            </a:r>
+          </a:p>
+          <a:p>
+            <a:r>
+              <a:rPr lang="en-US" dirty="0" smtClean="0"/>
+              <a:t>OSGI bundles have sample </a:t>
+            </a:r>
+            <a:r>
+              <a:rPr lang="en-US" dirty="0" err="1" smtClean="0"/>
+              <a:t>config</a:t>
+            </a:r>
+            <a:r>
+              <a:rPr lang="en-US" dirty="0" smtClean="0"/>
+              <a:t> files in the </a:t>
+            </a:r>
+            <a:r>
+              <a:rPr lang="en-US" dirty="0" err="1" smtClean="0"/>
+              <a:t>src</a:t>
+            </a:r>
+            <a:r>
+              <a:rPr lang="en-US" dirty="0" smtClean="0"/>
+              <a:t>/test/resources/</a:t>
+            </a:r>
+            <a:r>
+              <a:rPr lang="en-US" dirty="0" err="1" smtClean="0"/>
+              <a:t>etc</a:t>
+            </a:r>
+            <a:r>
+              <a:rPr lang="en-US" dirty="0" smtClean="0"/>
+              <a:t> folder</a:t>
+            </a:r>
+          </a:p>
+          <a:p>
+            <a:r>
+              <a:rPr lang="en-US" dirty="0" smtClean="0"/>
+              <a:t>Copy the sample </a:t>
+            </a:r>
+            <a:r>
+              <a:rPr lang="en-US" dirty="0" err="1" smtClean="0"/>
+              <a:t>config</a:t>
+            </a:r>
+            <a:r>
+              <a:rPr lang="en-US" dirty="0" smtClean="0"/>
+              <a:t> files to the </a:t>
+            </a:r>
+            <a:r>
+              <a:rPr lang="en-US" dirty="0" err="1" smtClean="0"/>
+              <a:t>Karaf</a:t>
+            </a:r>
+            <a:r>
+              <a:rPr lang="en-US" dirty="0" smtClean="0"/>
+              <a:t> </a:t>
+            </a:r>
+            <a:r>
+              <a:rPr lang="en-US" dirty="0" err="1" smtClean="0"/>
+              <a:t>config</a:t>
+            </a:r>
+            <a:r>
+              <a:rPr lang="en-US" dirty="0" smtClean="0"/>
+              <a:t> directory and tweak if necessary</a:t>
+            </a:r>
+          </a:p>
+          <a:p>
+            <a:r>
+              <a:rPr lang="en-US" dirty="0" smtClean="0"/>
+              <a:t>This has already been done in the VA environment</a:t>
+            </a:r>
+            <a:endParaRPr lang="en-US" dirty="0"/>
+          </a:p>
+        </p:txBody>
+      </p:sp>
+      <p:sp>
+        <p:nvSpPr>
+          <p:cNvPr id="3" name="Footer Placeholder 2"/>
           <p:cNvSpPr>
             <a:spLocks noGrp="1"/>
           </p:cNvSpPr>
@@ -7095,7 +7094,7 @@
     </p:spTree>
     <p:extLst>
       <p:ext uri="{BB962C8B-B14F-4D97-AF65-F5344CB8AC3E}">
-        <p14:creationId xmlns:p14="http://schemas.microsoft.com/office/powerpoint/2010/main" val="384305649"/>
+        <p14:creationId xmlns:p14="http://schemas.microsoft.com/office/powerpoint/2010/main" val="3726263841"/>
       </p:ext>
     </p:extLst>
   </p:cSld>
@@ -7139,11 +7138,7 @@
           <a:p>
             <a:r>
               <a:rPr lang="en-US" sz="2800" dirty="0" smtClean="0"/>
-              <a:t>Deploy Binary to </a:t>
-            </a:r>
-            <a:r>
-              <a:rPr lang="en-US" sz="2800" smtClean="0"/>
-              <a:t>ESB Node (3/3)</a:t>
+              <a:t>Deploying to Runtime  (1/3)</a:t>
             </a:r>
             <a:endParaRPr lang="en-US" sz="2800" dirty="0"/>
           </a:p>
@@ -7166,79 +7161,37 @@
           <a:p>
             <a:r>
               <a:rPr lang="en-US" sz="2400" dirty="0" smtClean="0"/>
-              <a:t>Connect to ESB </a:t>
-            </a:r>
-            <a:r>
-              <a:rPr lang="en-US" sz="2400" dirty="0" err="1" smtClean="0"/>
-              <a:t>Karaf</a:t>
-            </a:r>
+              <a:t>Runtime environment could be test, QA, UAT, or production</a:t>
+            </a:r>
+          </a:p>
+          <a:p>
+            <a:endParaRPr lang="en-US" sz="2400" dirty="0"/>
+          </a:p>
+          <a:p>
             <a:r>
               <a:rPr lang="en-US" sz="2400" dirty="0" smtClean="0"/>
-              <a:t> commandline</a:t>
-            </a:r>
-          </a:p>
-          <a:p>
-            <a:endParaRPr lang="en-US" sz="2400" dirty="0"/>
+              <a:t>Start ESB Node in console mode</a:t>
+            </a:r>
           </a:p>
           <a:p>
             <a:pPr marL="0" indent="0">
               <a:buNone/>
             </a:pPr>
             <a:r>
-              <a:rPr lang="en-US" sz="1400" dirty="0" err="1">
-                <a:latin typeface="Courier New" pitchFamily="49" charset="0"/>
-                <a:cs typeface="Courier New" pitchFamily="49" charset="0"/>
-              </a:rPr>
-              <a:t>karaf</a:t>
-            </a:r>
-            <a:r>
-              <a:rPr lang="en-US" sz="1400" dirty="0">
-                <a:latin typeface="Courier New" pitchFamily="49" charset="0"/>
-                <a:cs typeface="Courier New" pitchFamily="49" charset="0"/>
-              </a:rPr>
-              <a:t>&gt; </a:t>
-            </a:r>
-            <a:r>
-              <a:rPr lang="en-US" sz="1400" dirty="0" err="1" smtClean="0">
-                <a:latin typeface="Courier New" pitchFamily="49" charset="0"/>
-                <a:cs typeface="Courier New" pitchFamily="49" charset="0"/>
-              </a:rPr>
-              <a:t>features:addurl</a:t>
-            </a:r>
-            <a:r>
-              <a:rPr lang="en-US" sz="1400" dirty="0" smtClean="0">
-                <a:latin typeface="Courier New" pitchFamily="49" charset="0"/>
-                <a:cs typeface="Courier New" pitchFamily="49" charset="0"/>
-              </a:rPr>
-              <a:t> </a:t>
-            </a:r>
-            <a:r>
-              <a:rPr lang="en-US" sz="1400" dirty="0" err="1" smtClean="0">
-                <a:latin typeface="Courier New" pitchFamily="49" charset="0"/>
-                <a:cs typeface="Courier New" pitchFamily="49" charset="0"/>
-              </a:rPr>
-              <a:t>mvn:com.talend.se.vista.openmash</a:t>
-            </a:r>
-            <a:r>
-              <a:rPr lang="en-US" sz="1400" dirty="0" smtClean="0">
-                <a:latin typeface="Courier New" pitchFamily="49" charset="0"/>
-                <a:cs typeface="Courier New" pitchFamily="49" charset="0"/>
-              </a:rPr>
-              <a:t> \</a:t>
-            </a:r>
-          </a:p>
-          <a:p>
-            <a:pPr marL="0" indent="0">
-              <a:buNone/>
-            </a:pPr>
-            <a:r>
-              <a:rPr lang="en-US" sz="1400" dirty="0" smtClean="0">
-                <a:latin typeface="Courier New" pitchFamily="49" charset="0"/>
-                <a:cs typeface="Courier New" pitchFamily="49" charset="0"/>
-              </a:rPr>
-              <a:t>                       /hl7mediator/1.0-SNAPSHOT/xml/features</a:t>
-            </a:r>
-            <a:endParaRPr lang="en-US" sz="1400" dirty="0">
+              <a:rPr lang="en-US" sz="2400" dirty="0" smtClean="0">
+                <a:latin typeface="Courier New" pitchFamily="49" charset="0"/>
+                <a:cs typeface="Courier New" pitchFamily="49" charset="0"/>
+              </a:rPr>
+              <a:t>&gt; cd /opt/</a:t>
+            </a:r>
+            <a:r>
+              <a:rPr lang="en-US" sz="2400" dirty="0" err="1" smtClean="0">
+                <a:latin typeface="Courier New" pitchFamily="49" charset="0"/>
+                <a:cs typeface="Courier New" pitchFamily="49" charset="0"/>
+              </a:rPr>
+              <a:t>tesb</a:t>
+            </a:r>
+            <a:endParaRPr lang="en-US" sz="2400" dirty="0" smtClean="0">
               <a:latin typeface="Courier New" pitchFamily="49" charset="0"/>
               <a:cs typeface="Courier New" pitchFamily="49" charset="0"/>
             </a:endParaRPr>
@@ -7248,81 +7201,87 @@
               <a:buNone/>
             </a:pPr>
             <a:r>
-              <a:rPr lang="en-US" sz="1400" dirty="0" err="1">
-                <a:latin typeface="Courier New" pitchFamily="49" charset="0"/>
-                <a:cs typeface="Courier New" pitchFamily="49" charset="0"/>
-              </a:rPr>
-              <a:t>karaf</a:t>
-            </a:r>
-            <a:r>
-              <a:rPr lang="en-US" sz="1400" dirty="0">
-                <a:latin typeface="Courier New" pitchFamily="49" charset="0"/>
-                <a:cs typeface="Courier New" pitchFamily="49" charset="0"/>
-              </a:rPr>
-              <a:t>&gt; </a:t>
-            </a:r>
-            <a:r>
-              <a:rPr lang="en-US" sz="1400" dirty="0" err="1">
-                <a:latin typeface="Courier New" pitchFamily="49" charset="0"/>
-                <a:cs typeface="Courier New" pitchFamily="49" charset="0"/>
-              </a:rPr>
-              <a:t>features:install</a:t>
-            </a:r>
-            <a:r>
-              <a:rPr lang="en-US" sz="1400" dirty="0">
-                <a:latin typeface="Courier New" pitchFamily="49" charset="0"/>
-                <a:cs typeface="Courier New" pitchFamily="49" charset="0"/>
-              </a:rPr>
-              <a:t> </a:t>
-            </a:r>
-            <a:r>
-              <a:rPr lang="en-US" sz="1400" dirty="0" smtClean="0">
-                <a:latin typeface="Courier New" pitchFamily="49" charset="0"/>
-                <a:cs typeface="Courier New" pitchFamily="49" charset="0"/>
-              </a:rPr>
-              <a:t>hl7mediator</a:t>
-            </a:r>
-          </a:p>
-          <a:p>
-            <a:pPr marL="0" indent="0">
-              <a:buNone/>
-            </a:pPr>
-            <a:endParaRPr lang="en-US" sz="1400" dirty="0">
+              <a:rPr lang="en-US" sz="2400" dirty="0" smtClean="0">
+                <a:latin typeface="Courier New" pitchFamily="49" charset="0"/>
+                <a:cs typeface="Courier New" pitchFamily="49" charset="0"/>
+              </a:rPr>
+              <a:t>&gt; bin/</a:t>
+            </a:r>
+            <a:r>
+              <a:rPr lang="en-US" sz="2400" dirty="0" err="1" smtClean="0">
+                <a:latin typeface="Courier New" pitchFamily="49" charset="0"/>
+                <a:cs typeface="Courier New" pitchFamily="49" charset="0"/>
+              </a:rPr>
+              <a:t>trun</a:t>
+            </a:r>
+            <a:endParaRPr lang="en-US" sz="2400" dirty="0" smtClean="0">
               <a:latin typeface="Courier New" pitchFamily="49" charset="0"/>
               <a:cs typeface="Courier New" pitchFamily="49" charset="0"/>
             </a:endParaRPr>
           </a:p>
           <a:p>
+            <a:pPr marL="0" indent="0">
+              <a:buNone/>
+            </a:pPr>
+            <a:r>
+              <a:rPr lang="en-US" sz="2400" dirty="0" smtClean="0">
+                <a:latin typeface="Courier New" pitchFamily="49" charset="0"/>
+                <a:cs typeface="Courier New" pitchFamily="49" charset="0"/>
+              </a:rPr>
+              <a:t>OR</a:t>
+            </a:r>
+          </a:p>
+          <a:p>
+            <a:pPr marL="0" indent="0">
+              <a:buNone/>
+            </a:pPr>
+            <a:r>
+              <a:rPr lang="en-US" sz="2400" dirty="0" smtClean="0">
+                <a:latin typeface="Courier New" pitchFamily="49" charset="0"/>
+                <a:cs typeface="Courier New" pitchFamily="49" charset="0"/>
+              </a:rPr>
+              <a:t>&gt; bin/start # to run as a service</a:t>
+            </a:r>
+          </a:p>
+          <a:p>
+            <a:endParaRPr lang="en-US" sz="2400" dirty="0"/>
+          </a:p>
+          <a:p>
             <a:r>
               <a:rPr lang="en-US" sz="2400" dirty="0" smtClean="0"/>
-              <a:t>Note that the first line is one long continuous word after the </a:t>
-            </a:r>
-            <a:r>
-              <a:rPr lang="en-US" sz="2400" dirty="0" err="1" smtClean="0"/>
-              <a:t>addurl</a:t>
-            </a:r>
-            <a:r>
-              <a:rPr lang="en-US" sz="2400" dirty="0" smtClean="0"/>
-              <a:t> with no whitespace, the “\” indicates documentation continued to the next line</a:t>
-            </a:r>
-          </a:p>
-          <a:p>
-            <a:endParaRPr lang="en-US" sz="2400" dirty="0"/>
-          </a:p>
-          <a:p>
-            <a:r>
-              <a:rPr lang="en-US" sz="2400" dirty="0" smtClean="0"/>
-              <a:t>The </a:t>
-            </a:r>
-            <a:r>
-              <a:rPr lang="en-US" sz="2400" dirty="0" err="1" smtClean="0"/>
-              <a:t>addurl</a:t>
-            </a:r>
-            <a:r>
-              <a:rPr lang="en-US" sz="2400" dirty="0" smtClean="0"/>
-              <a:t> command only needs to be executed this one time to define the location of the features file.  Subsequent installs can be updated from the features file, which will happen to be resolved from the nexus or local repositories.</a:t>
-            </a:r>
-            <a:endParaRPr lang="en-US" sz="2400" dirty="0"/>
+              <a:t>Start Nexus Server</a:t>
+            </a:r>
+          </a:p>
+          <a:p>
+            <a:pPr marL="0" indent="0">
+              <a:buNone/>
+            </a:pPr>
+            <a:r>
+              <a:rPr lang="en-US" sz="2400" dirty="0" smtClean="0">
+                <a:latin typeface="Courier New" pitchFamily="49" charset="0"/>
+                <a:cs typeface="Courier New" pitchFamily="49" charset="0"/>
+              </a:rPr>
+              <a:t>&gt; cd /opt/nexus</a:t>
+            </a:r>
+          </a:p>
+          <a:p>
+            <a:pPr marL="0" indent="0">
+              <a:buNone/>
+            </a:pPr>
+            <a:r>
+              <a:rPr lang="en-US" sz="2400" dirty="0" smtClean="0">
+                <a:latin typeface="Courier New" pitchFamily="49" charset="0"/>
+                <a:cs typeface="Courier New" pitchFamily="49" charset="0"/>
+              </a:rPr>
+              <a:t>&gt; /</a:t>
+            </a:r>
+            <a:r>
+              <a:rPr lang="en-US" sz="2400" dirty="0">
+                <a:latin typeface="Courier New" pitchFamily="49" charset="0"/>
+                <a:cs typeface="Courier New" pitchFamily="49" charset="0"/>
+              </a:rPr>
+              <a:t>bin/nexus start</a:t>
+            </a:r>
           </a:p>
         </p:txBody>
       </p:sp>
@@ -7355,7 +7314,7 @@
     </p:spTree>
     <p:extLst>
       <p:ext uri="{BB962C8B-B14F-4D97-AF65-F5344CB8AC3E}">
-        <p14:creationId xmlns:p14="http://schemas.microsoft.com/office/powerpoint/2010/main" val="2035163699"/>
+        <p14:creationId xmlns:p14="http://schemas.microsoft.com/office/powerpoint/2010/main" val="1498249047"/>
       </p:ext>
     </p:extLst>
   </p:cSld>
@@ -7399,11 +7358,7 @@
           <a:p>
             <a:r>
               <a:rPr lang="en-US" sz="2800" dirty="0" smtClean="0"/>
-              <a:t>HL7 </a:t>
-            </a:r>
-            <a:r>
-              <a:rPr lang="en-US" sz="2800" dirty="0" smtClean="0"/>
-              <a:t>Environment &amp; Tooling</a:t>
+              <a:t>HL7 Environment &amp; Tooling</a:t>
             </a:r>
             <a:endParaRPr lang="en-US" sz="2800" dirty="0"/>
           </a:p>
@@ -8053,15 +8008,7 @@
                   <a:schemeClr val="accent6"/>
                 </a:solidFill>
               </a:rPr>
-              <a:t>Links will be posted in OSEHRA for those interested </a:t>
-            </a:r>
-            <a:r>
-              <a:rPr lang="en-US" dirty="0" smtClean="0">
-                <a:solidFill>
-                  <a:schemeClr val="accent6"/>
-                </a:solidFill>
-              </a:rPr>
-              <a:t>in replicating the environment</a:t>
+              <a:t>Links will be posted in OSEHRA for those interested in replicating the environment</a:t>
             </a:r>
           </a:p>
         </p:txBody>
@@ -8096,11 +8043,6 @@
               </a:rPr>
               <a:t>Community Driven Development Extends Beyond the Contest</a:t>
             </a:r>
-            <a:endParaRPr lang="en-US" sz="2000" dirty="0" smtClean="0">
-              <a:solidFill>
-                <a:schemeClr val="accent6"/>
-              </a:solidFill>
-            </a:endParaRPr>
           </a:p>
         </p:txBody>
       </p:sp>
@@ -8108,6 +8050,466 @@
     <p:extLst>
       <p:ext uri="{BB962C8B-B14F-4D97-AF65-F5344CB8AC3E}">
         <p14:creationId xmlns:p14="http://schemas.microsoft.com/office/powerpoint/2010/main" val="1446781537"/>
+      </p:ext>
+    </p:extLst>
+  </p:cSld>
+  <p:clrMapOvr>
+    <a:masterClrMapping/>
+  </p:clrMapOvr>
+</p:sld>
+</file>
+
+<file path=ppt/slides/slide30.xml><?xml version="1.0" encoding="utf-8"?>
+<p:sld xmlns:a="http://schemas.openxmlformats.org/drawingml/2006/main" xmlns:r="http://schemas.openxmlformats.org/officeDocument/2006/relationships" xmlns:p="http://schemas.openxmlformats.org/presentationml/2006/main">
+  <p:cSld>
+    <p:spTree>
+      <p:nvGrpSpPr>
+        <p:cNvPr id="1" name=""/>
+        <p:cNvGrpSpPr/>
+        <p:nvPr/>
+      </p:nvGrpSpPr>
+      <p:grpSpPr>
+        <a:xfrm>
+          <a:off x="0" y="0"/>
+          <a:ext cx="0" cy="0"/>
+          <a:chOff x="0" y="0"/>
+          <a:chExt cx="0" cy="0"/>
+        </a:xfrm>
+      </p:grpSpPr>
+      <p:sp>
+        <p:nvSpPr>
+          <p:cNvPr id="2" name="Title 1"/>
+          <p:cNvSpPr>
+            <a:spLocks noGrp="1"/>
+          </p:cNvSpPr>
+          <p:nvPr>
+            <p:ph type="title"/>
+          </p:nvPr>
+        </p:nvSpPr>
+        <p:spPr/>
+        <p:txBody>
+          <a:bodyPr/>
+          <a:lstStyle/>
+          <a:p>
+            <a:r>
+              <a:rPr lang="en-US" sz="2800" dirty="0" smtClean="0"/>
+              <a:t>Deployment Binary to Repository (2/3)</a:t>
+            </a:r>
+            <a:endParaRPr lang="en-US" sz="2800" dirty="0"/>
+          </a:p>
+        </p:txBody>
+      </p:sp>
+      <p:sp>
+        <p:nvSpPr>
+          <p:cNvPr id="3" name="Content Placeholder 2"/>
+          <p:cNvSpPr>
+            <a:spLocks noGrp="1"/>
+          </p:cNvSpPr>
+          <p:nvPr>
+            <p:ph idx="1"/>
+          </p:nvPr>
+        </p:nvSpPr>
+        <p:spPr/>
+        <p:txBody>
+          <a:bodyPr/>
+          <a:lstStyle/>
+          <a:p>
+            <a:r>
+              <a:rPr lang="en-US" sz="2400" dirty="0" smtClean="0"/>
+              <a:t>Maven pom.xml build file is already pointed to local Nexus repository.</a:t>
+            </a:r>
+          </a:p>
+          <a:p>
+            <a:endParaRPr lang="en-US" sz="2400" dirty="0" smtClean="0"/>
+          </a:p>
+          <a:p>
+            <a:r>
+              <a:rPr lang="en-US" sz="2400" dirty="0" smtClean="0"/>
+              <a:t>Commandline:</a:t>
+            </a:r>
+            <a:br>
+              <a:rPr lang="en-US" sz="2400" dirty="0" smtClean="0"/>
+            </a:br>
+            <a:r>
+              <a:rPr lang="en-US" sz="2400" dirty="0" smtClean="0">
+                <a:latin typeface="Courier New" pitchFamily="49" charset="0"/>
+                <a:cs typeface="Courier New" pitchFamily="49" charset="0"/>
+              </a:rPr>
+              <a:t>&gt; </a:t>
+            </a:r>
+            <a:r>
+              <a:rPr lang="en-US" sz="2400" dirty="0" err="1" smtClean="0">
+                <a:latin typeface="Courier New" pitchFamily="49" charset="0"/>
+                <a:cs typeface="Courier New" pitchFamily="49" charset="0"/>
+              </a:rPr>
+              <a:t>mvn</a:t>
+            </a:r>
+            <a:r>
+              <a:rPr lang="en-US" sz="2400" dirty="0" smtClean="0">
+                <a:latin typeface="Courier New" pitchFamily="49" charset="0"/>
+                <a:cs typeface="Courier New" pitchFamily="49" charset="0"/>
+              </a:rPr>
+              <a:t> deploy</a:t>
+            </a:r>
+            <a:endParaRPr lang="en-US" sz="2400" dirty="0">
+              <a:latin typeface="Courier New" pitchFamily="49" charset="0"/>
+              <a:cs typeface="Courier New" pitchFamily="49" charset="0"/>
+            </a:endParaRPr>
+          </a:p>
+          <a:p>
+            <a:endParaRPr lang="en-US" sz="2400" dirty="0" smtClean="0"/>
+          </a:p>
+          <a:p>
+            <a:r>
+              <a:rPr lang="en-US" sz="2400" dirty="0" smtClean="0"/>
+              <a:t>This publishes the binary artifacts to the repository</a:t>
+            </a:r>
+          </a:p>
+          <a:p>
+            <a:r>
+              <a:rPr lang="en-US" sz="2400" dirty="0" smtClean="0"/>
+              <a:t>Deploys both OSGI bundles (jar) files and Feature.xml metadata files.</a:t>
+            </a:r>
+          </a:p>
+          <a:p>
+            <a:r>
+              <a:rPr lang="en-US" sz="2400" dirty="0" smtClean="0"/>
+              <a:t>Which repository it is published to is controlled by the </a:t>
+            </a:r>
+            <a:r>
+              <a:rPr lang="en-US" sz="2400" dirty="0" err="1" smtClean="0"/>
+              <a:t>distributionManagement</a:t>
+            </a:r>
+            <a:r>
+              <a:rPr lang="en-US" sz="2400" dirty="0" smtClean="0"/>
+              <a:t> element of the POM.  (In this case located in the demo-parent </a:t>
+            </a:r>
+            <a:r>
+              <a:rPr lang="en-US" sz="2400" dirty="0" err="1" smtClean="0"/>
+              <a:t>pom</a:t>
+            </a:r>
+            <a:r>
+              <a:rPr lang="en-US" sz="2400" dirty="0" smtClean="0"/>
+              <a:t> file.)</a:t>
+            </a:r>
+            <a:endParaRPr lang="en-US" sz="2400" dirty="0"/>
+          </a:p>
+        </p:txBody>
+      </p:sp>
+      <p:sp>
+        <p:nvSpPr>
+          <p:cNvPr id="4" name="Footer Placeholder 3"/>
+          <p:cNvSpPr>
+            <a:spLocks noGrp="1"/>
+          </p:cNvSpPr>
+          <p:nvPr>
+            <p:ph type="ftr" sz="quarter" idx="10"/>
+          </p:nvPr>
+        </p:nvSpPr>
+        <p:spPr/>
+        <p:txBody>
+          <a:bodyPr/>
+          <a:lstStyle/>
+          <a:p>
+            <a:pPr>
+              <a:defRPr/>
+            </a:pPr>
+            <a:r>
+              <a:rPr lang="en-US" smtClean="0"/>
+              <a:t>© Talend 2013</a:t>
+            </a:r>
+            <a:endParaRPr lang="fr-FR"/>
+          </a:p>
+        </p:txBody>
+      </p:sp>
+    </p:spTree>
+    <p:extLst>
+      <p:ext uri="{BB962C8B-B14F-4D97-AF65-F5344CB8AC3E}">
+        <p14:creationId xmlns:p14="http://schemas.microsoft.com/office/powerpoint/2010/main" val="384305649"/>
+      </p:ext>
+    </p:extLst>
+  </p:cSld>
+  <p:clrMapOvr>
+    <a:masterClrMapping/>
+  </p:clrMapOvr>
+</p:sld>
+</file>
+
+<file path=ppt/slides/slide31.xml><?xml version="1.0" encoding="utf-8"?>
+<p:sld xmlns:a="http://schemas.openxmlformats.org/drawingml/2006/main" xmlns:r="http://schemas.openxmlformats.org/officeDocument/2006/relationships" xmlns:p="http://schemas.openxmlformats.org/presentationml/2006/main">
+  <p:cSld>
+    <p:spTree>
+      <p:nvGrpSpPr>
+        <p:cNvPr id="1" name=""/>
+        <p:cNvGrpSpPr/>
+        <p:nvPr/>
+      </p:nvGrpSpPr>
+      <p:grpSpPr>
+        <a:xfrm>
+          <a:off x="0" y="0"/>
+          <a:ext cx="0" cy="0"/>
+          <a:chOff x="0" y="0"/>
+          <a:chExt cx="0" cy="0"/>
+        </a:xfrm>
+      </p:grpSpPr>
+      <p:sp>
+        <p:nvSpPr>
+          <p:cNvPr id="2" name="Title 1"/>
+          <p:cNvSpPr>
+            <a:spLocks noGrp="1"/>
+          </p:cNvSpPr>
+          <p:nvPr>
+            <p:ph type="title"/>
+          </p:nvPr>
+        </p:nvSpPr>
+        <p:spPr/>
+        <p:txBody>
+          <a:bodyPr/>
+          <a:lstStyle/>
+          <a:p>
+            <a:r>
+              <a:rPr lang="en-US" sz="2800" dirty="0" smtClean="0"/>
+              <a:t>Deploy Binary to </a:t>
+            </a:r>
+            <a:r>
+              <a:rPr lang="en-US" sz="2800" smtClean="0"/>
+              <a:t>ESB Node (3/3)</a:t>
+            </a:r>
+            <a:endParaRPr lang="en-US" sz="2800" dirty="0"/>
+          </a:p>
+        </p:txBody>
+      </p:sp>
+      <p:sp>
+        <p:nvSpPr>
+          <p:cNvPr id="3" name="Content Placeholder 2"/>
+          <p:cNvSpPr>
+            <a:spLocks noGrp="1"/>
+          </p:cNvSpPr>
+          <p:nvPr>
+            <p:ph idx="1"/>
+          </p:nvPr>
+        </p:nvSpPr>
+        <p:spPr/>
+        <p:txBody>
+          <a:bodyPr/>
+          <a:lstStyle/>
+          <a:p>
+            <a:r>
+              <a:rPr lang="en-US" sz="2400" dirty="0" smtClean="0"/>
+              <a:t>Connect to ESB </a:t>
+            </a:r>
+            <a:r>
+              <a:rPr lang="en-US" sz="2400" dirty="0" err="1" smtClean="0"/>
+              <a:t>Karaf</a:t>
+            </a:r>
+            <a:r>
+              <a:rPr lang="en-US" sz="2400" dirty="0" smtClean="0"/>
+              <a:t> commandline</a:t>
+            </a:r>
+          </a:p>
+          <a:p>
+            <a:pPr marL="0" indent="0">
+              <a:buNone/>
+            </a:pPr>
+            <a:r>
+              <a:rPr lang="en-US" sz="1400" dirty="0" err="1">
+                <a:latin typeface="Courier New" pitchFamily="49" charset="0"/>
+                <a:cs typeface="Courier New" pitchFamily="49" charset="0"/>
+              </a:rPr>
+              <a:t>karaf</a:t>
+            </a:r>
+            <a:r>
+              <a:rPr lang="en-US" sz="1400" dirty="0">
+                <a:latin typeface="Courier New" pitchFamily="49" charset="0"/>
+                <a:cs typeface="Courier New" pitchFamily="49" charset="0"/>
+              </a:rPr>
+              <a:t>&gt; </a:t>
+            </a:r>
+            <a:r>
+              <a:rPr lang="en-US" sz="1400" dirty="0" err="1" smtClean="0">
+                <a:latin typeface="Courier New" pitchFamily="49" charset="0"/>
+                <a:cs typeface="Courier New" pitchFamily="49" charset="0"/>
+              </a:rPr>
+              <a:t>features:refreshurl</a:t>
+            </a:r>
+            <a:endParaRPr lang="en-US" sz="2400" dirty="0"/>
+          </a:p>
+          <a:p>
+            <a:pPr marL="0" indent="0">
+              <a:buNone/>
+            </a:pPr>
+            <a:r>
+              <a:rPr lang="en-US" sz="1400" dirty="0" err="1">
+                <a:latin typeface="Courier New" pitchFamily="49" charset="0"/>
+                <a:cs typeface="Courier New" pitchFamily="49" charset="0"/>
+              </a:rPr>
+              <a:t>karaf</a:t>
+            </a:r>
+            <a:r>
+              <a:rPr lang="en-US" sz="1400" dirty="0">
+                <a:latin typeface="Courier New" pitchFamily="49" charset="0"/>
+                <a:cs typeface="Courier New" pitchFamily="49" charset="0"/>
+              </a:rPr>
+              <a:t>&gt; </a:t>
+            </a:r>
+            <a:r>
+              <a:rPr lang="en-US" sz="1400" dirty="0" err="1" smtClean="0">
+                <a:latin typeface="Courier New" pitchFamily="49" charset="0"/>
+                <a:cs typeface="Courier New" pitchFamily="49" charset="0"/>
+              </a:rPr>
+              <a:t>features:addurl</a:t>
+            </a:r>
+            <a:r>
+              <a:rPr lang="en-US" sz="1400" dirty="0" smtClean="0">
+                <a:latin typeface="Courier New" pitchFamily="49" charset="0"/>
+                <a:cs typeface="Courier New" pitchFamily="49" charset="0"/>
+              </a:rPr>
+              <a:t> </a:t>
+            </a:r>
+            <a:r>
+              <a:rPr lang="en-US" sz="1400" dirty="0" err="1" smtClean="0">
+                <a:latin typeface="Courier New" pitchFamily="49" charset="0"/>
+                <a:cs typeface="Courier New" pitchFamily="49" charset="0"/>
+              </a:rPr>
+              <a:t>mvn:com.talend.se.vista.openmash</a:t>
+            </a:r>
+            <a:r>
+              <a:rPr lang="en-US" sz="1400" dirty="0" smtClean="0">
+                <a:latin typeface="Courier New" pitchFamily="49" charset="0"/>
+                <a:cs typeface="Courier New" pitchFamily="49" charset="0"/>
+              </a:rPr>
+              <a:t> \</a:t>
+            </a:r>
+          </a:p>
+          <a:p>
+            <a:pPr marL="0" indent="0">
+              <a:buNone/>
+            </a:pPr>
+            <a:r>
+              <a:rPr lang="en-US" sz="1400" dirty="0" smtClean="0">
+                <a:latin typeface="Courier New" pitchFamily="49" charset="0"/>
+                <a:cs typeface="Courier New" pitchFamily="49" charset="0"/>
+              </a:rPr>
+              <a:t>                       /hl7mediator/1.0-SNAPSHOT/xml/features</a:t>
+            </a:r>
+            <a:endParaRPr lang="en-US" sz="1400" dirty="0">
+              <a:latin typeface="Courier New" pitchFamily="49" charset="0"/>
+              <a:cs typeface="Courier New" pitchFamily="49" charset="0"/>
+            </a:endParaRPr>
+          </a:p>
+          <a:p>
+            <a:pPr marL="0" indent="0">
+              <a:buNone/>
+            </a:pPr>
+            <a:r>
+              <a:rPr lang="en-US" sz="1400" dirty="0" err="1">
+                <a:latin typeface="Courier New" pitchFamily="49" charset="0"/>
+                <a:cs typeface="Courier New" pitchFamily="49" charset="0"/>
+              </a:rPr>
+              <a:t>karaf</a:t>
+            </a:r>
+            <a:r>
+              <a:rPr lang="en-US" sz="1400" dirty="0">
+                <a:latin typeface="Courier New" pitchFamily="49" charset="0"/>
+                <a:cs typeface="Courier New" pitchFamily="49" charset="0"/>
+              </a:rPr>
+              <a:t>&gt; </a:t>
+            </a:r>
+            <a:r>
+              <a:rPr lang="en-US" sz="1400" dirty="0" err="1">
+                <a:latin typeface="Courier New" pitchFamily="49" charset="0"/>
+                <a:cs typeface="Courier New" pitchFamily="49" charset="0"/>
+              </a:rPr>
+              <a:t>features:install</a:t>
+            </a:r>
+            <a:r>
+              <a:rPr lang="en-US" sz="1400" dirty="0">
+                <a:latin typeface="Courier New" pitchFamily="49" charset="0"/>
+                <a:cs typeface="Courier New" pitchFamily="49" charset="0"/>
+              </a:rPr>
+              <a:t> </a:t>
+            </a:r>
+            <a:r>
+              <a:rPr lang="en-US" sz="1400" dirty="0" smtClean="0">
+                <a:latin typeface="Courier New" pitchFamily="49" charset="0"/>
+                <a:cs typeface="Courier New" pitchFamily="49" charset="0"/>
+              </a:rPr>
+              <a:t>hl7mediator</a:t>
+            </a:r>
+          </a:p>
+          <a:p>
+            <a:pPr marL="0" indent="0">
+              <a:buNone/>
+            </a:pPr>
+            <a:endParaRPr lang="en-US" sz="1400" dirty="0">
+              <a:latin typeface="Courier New" pitchFamily="49" charset="0"/>
+              <a:cs typeface="Courier New" pitchFamily="49" charset="0"/>
+            </a:endParaRPr>
+          </a:p>
+          <a:p>
+            <a:r>
+              <a:rPr lang="en-US" sz="2400" dirty="0" smtClean="0"/>
+              <a:t>Note that the first line is one long continuous word after the </a:t>
+            </a:r>
+            <a:r>
+              <a:rPr lang="en-US" sz="2400" dirty="0" err="1" smtClean="0"/>
+              <a:t>addurl</a:t>
+            </a:r>
+            <a:r>
+              <a:rPr lang="en-US" sz="2400" dirty="0" smtClean="0"/>
+              <a:t> with no whitespace, the “\” indicates documentation continued to the next line</a:t>
+            </a:r>
+          </a:p>
+          <a:p>
+            <a:endParaRPr lang="en-US" sz="2400" dirty="0"/>
+          </a:p>
+          <a:p>
+            <a:r>
+              <a:rPr lang="en-US" sz="2400" dirty="0" smtClean="0"/>
+              <a:t>The </a:t>
+            </a:r>
+            <a:r>
+              <a:rPr lang="en-US" sz="2400" dirty="0" err="1" smtClean="0"/>
+              <a:t>addurl</a:t>
+            </a:r>
+            <a:r>
+              <a:rPr lang="en-US" sz="2400" dirty="0" smtClean="0"/>
+              <a:t> command only needs to be executed this one time to define the location of the features file.  Subsequent installs can be updated from the features file, which will happen to be resolved from the nexus or local repositories.</a:t>
+            </a:r>
+            <a:endParaRPr lang="en-US" sz="2400" dirty="0"/>
+          </a:p>
+        </p:txBody>
+      </p:sp>
+      <p:sp>
+        <p:nvSpPr>
+          <p:cNvPr id="4" name="Footer Placeholder 3"/>
+          <p:cNvSpPr>
+            <a:spLocks noGrp="1"/>
+          </p:cNvSpPr>
+          <p:nvPr>
+            <p:ph type="ftr" sz="quarter" idx="10"/>
+          </p:nvPr>
+        </p:nvSpPr>
+        <p:spPr/>
+        <p:txBody>
+          <a:bodyPr/>
+          <a:lstStyle/>
+          <a:p>
+            <a:pPr>
+              <a:defRPr/>
+            </a:pPr>
+            <a:r>
+              <a:rPr lang="en-US" smtClean="0"/>
+              <a:t>© Talend 2013</a:t>
+            </a:r>
+            <a:endParaRPr lang="fr-FR"/>
+          </a:p>
+        </p:txBody>
+      </p:sp>
+    </p:spTree>
+    <p:extLst>
+      <p:ext uri="{BB962C8B-B14F-4D97-AF65-F5344CB8AC3E}">
+        <p14:creationId xmlns:p14="http://schemas.microsoft.com/office/powerpoint/2010/main" val="2035163699"/>
       </p:ext>
     </p:extLst>
   </p:cSld>
